--- a/01-MachineLearning/02-slides.pptx
+++ b/01-MachineLearning/02-slides.pptx
@@ -5,10 +5,10 @@
     <p:sldMasterId id="2147483648" r:id="rId1"/>
   </p:sldMasterIdLst>
   <p:notesMasterIdLst>
-    <p:notesMasterId r:id="rId22"/>
+    <p:notesMasterId r:id="rId23"/>
   </p:notesMasterIdLst>
   <p:handoutMasterIdLst>
-    <p:handoutMasterId r:id="rId23"/>
+    <p:handoutMasterId r:id="rId24"/>
   </p:handoutMasterIdLst>
   <p:sldIdLst>
     <p:sldId id="479" r:id="rId2"/>
@@ -29,8 +29,9 @@
     <p:sldId id="532" r:id="rId17"/>
     <p:sldId id="534" r:id="rId18"/>
     <p:sldId id="528" r:id="rId19"/>
-    <p:sldId id="512" r:id="rId20"/>
-    <p:sldId id="524" r:id="rId21"/>
+    <p:sldId id="535" r:id="rId20"/>
+    <p:sldId id="512" r:id="rId21"/>
+    <p:sldId id="524" r:id="rId22"/>
   </p:sldIdLst>
   <p:sldSz cx="12192000" cy="6858000"/>
   <p:notesSz cx="6858000" cy="9144000"/>
@@ -884,7 +885,990 @@
 </dgm:colorsDef>
 </file>
 
+<file path=ppt/diagrams/colors2.xml><?xml version="1.0" encoding="utf-8"?>
+<dgm:colorsDef xmlns:dgm="http://schemas.openxmlformats.org/drawingml/2006/diagram" xmlns:a="http://schemas.openxmlformats.org/drawingml/2006/main" uniqueId="urn:microsoft.com/office/officeart/2005/8/colors/accent1_2">
+  <dgm:title val=""/>
+  <dgm:desc val=""/>
+  <dgm:catLst>
+    <dgm:cat type="accent1" pri="11200"/>
+  </dgm:catLst>
+  <dgm:styleLbl name="node0">
+    <dgm:fillClrLst meth="repeat">
+      <a:schemeClr val="accent1"/>
+    </dgm:fillClrLst>
+    <dgm:linClrLst meth="repeat">
+      <a:schemeClr val="lt1"/>
+    </dgm:linClrLst>
+    <dgm:effectClrLst/>
+    <dgm:txLinClrLst/>
+    <dgm:txFillClrLst/>
+    <dgm:txEffectClrLst/>
+  </dgm:styleLbl>
+  <dgm:styleLbl name="alignNode1">
+    <dgm:fillClrLst meth="repeat">
+      <a:schemeClr val="accent1"/>
+    </dgm:fillClrLst>
+    <dgm:linClrLst meth="repeat">
+      <a:schemeClr val="accent1"/>
+    </dgm:linClrLst>
+    <dgm:effectClrLst/>
+    <dgm:txLinClrLst/>
+    <dgm:txFillClrLst/>
+    <dgm:txEffectClrLst/>
+  </dgm:styleLbl>
+  <dgm:styleLbl name="node1">
+    <dgm:fillClrLst meth="repeat">
+      <a:schemeClr val="accent1"/>
+    </dgm:fillClrLst>
+    <dgm:linClrLst meth="repeat">
+      <a:schemeClr val="lt1"/>
+    </dgm:linClrLst>
+    <dgm:effectClrLst/>
+    <dgm:txLinClrLst/>
+    <dgm:txFillClrLst/>
+    <dgm:txEffectClrLst/>
+  </dgm:styleLbl>
+  <dgm:styleLbl name="lnNode1">
+    <dgm:fillClrLst meth="repeat">
+      <a:schemeClr val="accent1"/>
+    </dgm:fillClrLst>
+    <dgm:linClrLst meth="repeat">
+      <a:schemeClr val="lt1"/>
+    </dgm:linClrLst>
+    <dgm:effectClrLst/>
+    <dgm:txLinClrLst/>
+    <dgm:txFillClrLst/>
+    <dgm:txEffectClrLst/>
+  </dgm:styleLbl>
+  <dgm:styleLbl name="vennNode1">
+    <dgm:fillClrLst meth="repeat">
+      <a:schemeClr val="accent1">
+        <a:alpha val="50000"/>
+      </a:schemeClr>
+    </dgm:fillClrLst>
+    <dgm:linClrLst meth="repeat">
+      <a:schemeClr val="lt1"/>
+    </dgm:linClrLst>
+    <dgm:effectClrLst/>
+    <dgm:txLinClrLst/>
+    <dgm:txFillClrLst/>
+    <dgm:txEffectClrLst/>
+  </dgm:styleLbl>
+  <dgm:styleLbl name="node2">
+    <dgm:fillClrLst meth="repeat">
+      <a:schemeClr val="accent1"/>
+    </dgm:fillClrLst>
+    <dgm:linClrLst meth="repeat">
+      <a:schemeClr val="lt1"/>
+    </dgm:linClrLst>
+    <dgm:effectClrLst/>
+    <dgm:txLinClrLst/>
+    <dgm:txFillClrLst/>
+    <dgm:txEffectClrLst/>
+  </dgm:styleLbl>
+  <dgm:styleLbl name="node3">
+    <dgm:fillClrLst meth="repeat">
+      <a:schemeClr val="accent1"/>
+    </dgm:fillClrLst>
+    <dgm:linClrLst meth="repeat">
+      <a:schemeClr val="lt1"/>
+    </dgm:linClrLst>
+    <dgm:effectClrLst/>
+    <dgm:txLinClrLst/>
+    <dgm:txFillClrLst/>
+    <dgm:txEffectClrLst/>
+  </dgm:styleLbl>
+  <dgm:styleLbl name="node4">
+    <dgm:fillClrLst meth="repeat">
+      <a:schemeClr val="accent1"/>
+    </dgm:fillClrLst>
+    <dgm:linClrLst meth="repeat">
+      <a:schemeClr val="lt1"/>
+    </dgm:linClrLst>
+    <dgm:effectClrLst/>
+    <dgm:txLinClrLst/>
+    <dgm:txFillClrLst/>
+    <dgm:txEffectClrLst/>
+  </dgm:styleLbl>
+  <dgm:styleLbl name="fgImgPlace1">
+    <dgm:fillClrLst meth="repeat">
+      <a:schemeClr val="accent1">
+        <a:tint val="50000"/>
+      </a:schemeClr>
+    </dgm:fillClrLst>
+    <dgm:linClrLst meth="repeat">
+      <a:schemeClr val="lt1"/>
+    </dgm:linClrLst>
+    <dgm:effectClrLst/>
+    <dgm:txLinClrLst/>
+    <dgm:txFillClrLst meth="repeat">
+      <a:schemeClr val="lt1"/>
+    </dgm:txFillClrLst>
+    <dgm:txEffectClrLst/>
+  </dgm:styleLbl>
+  <dgm:styleLbl name="alignImgPlace1">
+    <dgm:fillClrLst meth="repeat">
+      <a:schemeClr val="accent1">
+        <a:tint val="50000"/>
+      </a:schemeClr>
+    </dgm:fillClrLst>
+    <dgm:linClrLst meth="repeat">
+      <a:schemeClr val="lt1"/>
+    </dgm:linClrLst>
+    <dgm:effectClrLst/>
+    <dgm:txLinClrLst/>
+    <dgm:txFillClrLst meth="repeat">
+      <a:schemeClr val="lt1"/>
+    </dgm:txFillClrLst>
+    <dgm:txEffectClrLst/>
+  </dgm:styleLbl>
+  <dgm:styleLbl name="bgImgPlace1">
+    <dgm:fillClrLst meth="repeat">
+      <a:schemeClr val="accent1">
+        <a:tint val="50000"/>
+      </a:schemeClr>
+    </dgm:fillClrLst>
+    <dgm:linClrLst meth="repeat">
+      <a:schemeClr val="lt1"/>
+    </dgm:linClrLst>
+    <dgm:effectClrLst/>
+    <dgm:txLinClrLst/>
+    <dgm:txFillClrLst meth="repeat">
+      <a:schemeClr val="lt1"/>
+    </dgm:txFillClrLst>
+    <dgm:txEffectClrLst/>
+  </dgm:styleLbl>
+  <dgm:styleLbl name="sibTrans2D1">
+    <dgm:fillClrLst meth="repeat">
+      <a:schemeClr val="accent1">
+        <a:tint val="60000"/>
+      </a:schemeClr>
+    </dgm:fillClrLst>
+    <dgm:linClrLst meth="repeat">
+      <a:schemeClr val="accent1">
+        <a:tint val="60000"/>
+      </a:schemeClr>
+    </dgm:linClrLst>
+    <dgm:effectClrLst/>
+    <dgm:txLinClrLst/>
+    <dgm:txFillClrLst/>
+    <dgm:txEffectClrLst/>
+  </dgm:styleLbl>
+  <dgm:styleLbl name="fgSibTrans2D1">
+    <dgm:fillClrLst meth="repeat">
+      <a:schemeClr val="accent1">
+        <a:tint val="60000"/>
+      </a:schemeClr>
+    </dgm:fillClrLst>
+    <dgm:linClrLst meth="repeat">
+      <a:schemeClr val="accent1">
+        <a:tint val="60000"/>
+      </a:schemeClr>
+    </dgm:linClrLst>
+    <dgm:effectClrLst/>
+    <dgm:txLinClrLst/>
+    <dgm:txFillClrLst/>
+    <dgm:txEffectClrLst/>
+  </dgm:styleLbl>
+  <dgm:styleLbl name="bgSibTrans2D1">
+    <dgm:fillClrLst meth="repeat">
+      <a:schemeClr val="accent1">
+        <a:tint val="60000"/>
+      </a:schemeClr>
+    </dgm:fillClrLst>
+    <dgm:linClrLst meth="repeat">
+      <a:schemeClr val="accent1">
+        <a:tint val="60000"/>
+      </a:schemeClr>
+    </dgm:linClrLst>
+    <dgm:effectClrLst/>
+    <dgm:txLinClrLst/>
+    <dgm:txFillClrLst/>
+    <dgm:txEffectClrLst/>
+  </dgm:styleLbl>
+  <dgm:styleLbl name="sibTrans1D1">
+    <dgm:fillClrLst meth="repeat">
+      <a:schemeClr val="accent1"/>
+    </dgm:fillClrLst>
+    <dgm:linClrLst meth="repeat">
+      <a:schemeClr val="accent1"/>
+    </dgm:linClrLst>
+    <dgm:effectClrLst/>
+    <dgm:txLinClrLst/>
+    <dgm:txFillClrLst meth="repeat">
+      <a:schemeClr val="tx1"/>
+    </dgm:txFillClrLst>
+    <dgm:txEffectClrLst/>
+  </dgm:styleLbl>
+  <dgm:styleLbl name="callout">
+    <dgm:fillClrLst meth="repeat">
+      <a:schemeClr val="accent1"/>
+    </dgm:fillClrLst>
+    <dgm:linClrLst meth="repeat">
+      <a:schemeClr val="accent1">
+        <a:tint val="50000"/>
+      </a:schemeClr>
+    </dgm:linClrLst>
+    <dgm:effectClrLst/>
+    <dgm:txLinClrLst/>
+    <dgm:txFillClrLst meth="repeat">
+      <a:schemeClr val="tx1"/>
+    </dgm:txFillClrLst>
+    <dgm:txEffectClrLst/>
+  </dgm:styleLbl>
+  <dgm:styleLbl name="asst0">
+    <dgm:fillClrLst meth="repeat">
+      <a:schemeClr val="accent1"/>
+    </dgm:fillClrLst>
+    <dgm:linClrLst meth="repeat">
+      <a:schemeClr val="lt1"/>
+    </dgm:linClrLst>
+    <dgm:effectClrLst/>
+    <dgm:txLinClrLst/>
+    <dgm:txFillClrLst/>
+    <dgm:txEffectClrLst/>
+  </dgm:styleLbl>
+  <dgm:styleLbl name="asst1">
+    <dgm:fillClrLst meth="repeat">
+      <a:schemeClr val="accent1"/>
+    </dgm:fillClrLst>
+    <dgm:linClrLst meth="repeat">
+      <a:schemeClr val="lt1"/>
+    </dgm:linClrLst>
+    <dgm:effectClrLst/>
+    <dgm:txLinClrLst/>
+    <dgm:txFillClrLst/>
+    <dgm:txEffectClrLst/>
+  </dgm:styleLbl>
+  <dgm:styleLbl name="asst2">
+    <dgm:fillClrLst meth="repeat">
+      <a:schemeClr val="accent1"/>
+    </dgm:fillClrLst>
+    <dgm:linClrLst meth="repeat">
+      <a:schemeClr val="lt1"/>
+    </dgm:linClrLst>
+    <dgm:effectClrLst/>
+    <dgm:txLinClrLst/>
+    <dgm:txFillClrLst/>
+    <dgm:txEffectClrLst/>
+  </dgm:styleLbl>
+  <dgm:styleLbl name="asst3">
+    <dgm:fillClrLst meth="repeat">
+      <a:schemeClr val="accent1"/>
+    </dgm:fillClrLst>
+    <dgm:linClrLst meth="repeat">
+      <a:schemeClr val="lt1"/>
+    </dgm:linClrLst>
+    <dgm:effectClrLst/>
+    <dgm:txLinClrLst/>
+    <dgm:txFillClrLst/>
+    <dgm:txEffectClrLst/>
+  </dgm:styleLbl>
+  <dgm:styleLbl name="asst4">
+    <dgm:fillClrLst meth="repeat">
+      <a:schemeClr val="accent1"/>
+    </dgm:fillClrLst>
+    <dgm:linClrLst meth="repeat">
+      <a:schemeClr val="lt1"/>
+    </dgm:linClrLst>
+    <dgm:effectClrLst/>
+    <dgm:txLinClrLst/>
+    <dgm:txFillClrLst/>
+    <dgm:txEffectClrLst/>
+  </dgm:styleLbl>
+  <dgm:styleLbl name="parChTrans2D1">
+    <dgm:fillClrLst meth="repeat">
+      <a:schemeClr val="accent1">
+        <a:tint val="60000"/>
+      </a:schemeClr>
+    </dgm:fillClrLst>
+    <dgm:linClrLst meth="repeat">
+      <a:schemeClr val="accent1">
+        <a:tint val="60000"/>
+      </a:schemeClr>
+    </dgm:linClrLst>
+    <dgm:effectClrLst/>
+    <dgm:txLinClrLst/>
+    <dgm:txFillClrLst meth="repeat">
+      <a:schemeClr val="lt1"/>
+    </dgm:txFillClrLst>
+    <dgm:txEffectClrLst/>
+  </dgm:styleLbl>
+  <dgm:styleLbl name="parChTrans2D2">
+    <dgm:fillClrLst meth="repeat">
+      <a:schemeClr val="accent1"/>
+    </dgm:fillClrLst>
+    <dgm:linClrLst meth="repeat">
+      <a:schemeClr val="accent1"/>
+    </dgm:linClrLst>
+    <dgm:effectClrLst/>
+    <dgm:txLinClrLst/>
+    <dgm:txFillClrLst meth="repeat">
+      <a:schemeClr val="lt1"/>
+    </dgm:txFillClrLst>
+    <dgm:txEffectClrLst/>
+  </dgm:styleLbl>
+  <dgm:styleLbl name="parChTrans2D3">
+    <dgm:fillClrLst meth="repeat">
+      <a:schemeClr val="accent1"/>
+    </dgm:fillClrLst>
+    <dgm:linClrLst meth="repeat">
+      <a:schemeClr val="accent1"/>
+    </dgm:linClrLst>
+    <dgm:effectClrLst/>
+    <dgm:txLinClrLst/>
+    <dgm:txFillClrLst meth="repeat">
+      <a:schemeClr val="lt1"/>
+    </dgm:txFillClrLst>
+    <dgm:txEffectClrLst/>
+  </dgm:styleLbl>
+  <dgm:styleLbl name="parChTrans2D4">
+    <dgm:fillClrLst meth="repeat">
+      <a:schemeClr val="accent1"/>
+    </dgm:fillClrLst>
+    <dgm:linClrLst meth="repeat">
+      <a:schemeClr val="accent1"/>
+    </dgm:linClrLst>
+    <dgm:effectClrLst/>
+    <dgm:txLinClrLst/>
+    <dgm:txFillClrLst meth="repeat">
+      <a:schemeClr val="lt1"/>
+    </dgm:txFillClrLst>
+    <dgm:txEffectClrLst/>
+  </dgm:styleLbl>
+  <dgm:styleLbl name="parChTrans1D1">
+    <dgm:fillClrLst meth="repeat">
+      <a:schemeClr val="accent1"/>
+    </dgm:fillClrLst>
+    <dgm:linClrLst meth="repeat">
+      <a:schemeClr val="accent1">
+        <a:shade val="60000"/>
+      </a:schemeClr>
+    </dgm:linClrLst>
+    <dgm:effectClrLst/>
+    <dgm:txLinClrLst/>
+    <dgm:txFillClrLst meth="repeat">
+      <a:schemeClr val="tx1"/>
+    </dgm:txFillClrLst>
+    <dgm:txEffectClrLst/>
+  </dgm:styleLbl>
+  <dgm:styleLbl name="parChTrans1D2">
+    <dgm:fillClrLst meth="repeat">
+      <a:schemeClr val="accent1"/>
+    </dgm:fillClrLst>
+    <dgm:linClrLst meth="repeat">
+      <a:schemeClr val="accent1">
+        <a:shade val="60000"/>
+      </a:schemeClr>
+    </dgm:linClrLst>
+    <dgm:effectClrLst/>
+    <dgm:txLinClrLst/>
+    <dgm:txFillClrLst meth="repeat">
+      <a:schemeClr val="tx1"/>
+    </dgm:txFillClrLst>
+    <dgm:txEffectClrLst/>
+  </dgm:styleLbl>
+  <dgm:styleLbl name="parChTrans1D3">
+    <dgm:fillClrLst meth="repeat">
+      <a:schemeClr val="accent1"/>
+    </dgm:fillClrLst>
+    <dgm:linClrLst meth="repeat">
+      <a:schemeClr val="accent1">
+        <a:shade val="80000"/>
+      </a:schemeClr>
+    </dgm:linClrLst>
+    <dgm:effectClrLst/>
+    <dgm:txLinClrLst/>
+    <dgm:txFillClrLst meth="repeat">
+      <a:schemeClr val="tx1"/>
+    </dgm:txFillClrLst>
+    <dgm:txEffectClrLst/>
+  </dgm:styleLbl>
+  <dgm:styleLbl name="parChTrans1D4">
+    <dgm:fillClrLst meth="repeat">
+      <a:schemeClr val="accent1"/>
+    </dgm:fillClrLst>
+    <dgm:linClrLst meth="repeat">
+      <a:schemeClr val="accent1">
+        <a:shade val="80000"/>
+      </a:schemeClr>
+    </dgm:linClrLst>
+    <dgm:effectClrLst/>
+    <dgm:txLinClrLst/>
+    <dgm:txFillClrLst meth="repeat">
+      <a:schemeClr val="tx1"/>
+    </dgm:txFillClrLst>
+    <dgm:txEffectClrLst/>
+  </dgm:styleLbl>
+  <dgm:styleLbl name="fgAcc1">
+    <dgm:fillClrLst meth="repeat">
+      <a:schemeClr val="lt1">
+        <a:alpha val="90000"/>
+      </a:schemeClr>
+    </dgm:fillClrLst>
+    <dgm:linClrLst meth="repeat">
+      <a:schemeClr val="accent1"/>
+    </dgm:linClrLst>
+    <dgm:effectClrLst/>
+    <dgm:txLinClrLst/>
+    <dgm:txFillClrLst meth="repeat">
+      <a:schemeClr val="dk1"/>
+    </dgm:txFillClrLst>
+    <dgm:txEffectClrLst/>
+  </dgm:styleLbl>
+  <dgm:styleLbl name="conFgAcc1">
+    <dgm:fillClrLst meth="repeat">
+      <a:schemeClr val="lt1">
+        <a:alpha val="90000"/>
+      </a:schemeClr>
+    </dgm:fillClrLst>
+    <dgm:linClrLst meth="repeat">
+      <a:schemeClr val="accent1"/>
+    </dgm:linClrLst>
+    <dgm:effectClrLst/>
+    <dgm:txLinClrLst/>
+    <dgm:txFillClrLst meth="repeat">
+      <a:schemeClr val="dk1"/>
+    </dgm:txFillClrLst>
+    <dgm:txEffectClrLst/>
+  </dgm:styleLbl>
+  <dgm:styleLbl name="alignAcc1">
+    <dgm:fillClrLst meth="repeat">
+      <a:schemeClr val="lt1">
+        <a:alpha val="90000"/>
+      </a:schemeClr>
+    </dgm:fillClrLst>
+    <dgm:linClrLst meth="repeat">
+      <a:schemeClr val="accent1"/>
+    </dgm:linClrLst>
+    <dgm:effectClrLst/>
+    <dgm:txLinClrLst/>
+    <dgm:txFillClrLst meth="repeat">
+      <a:schemeClr val="dk1"/>
+    </dgm:txFillClrLst>
+    <dgm:txEffectClrLst/>
+  </dgm:styleLbl>
+  <dgm:styleLbl name="trAlignAcc1">
+    <dgm:fillClrLst meth="repeat">
+      <a:schemeClr val="lt1">
+        <a:alpha val="40000"/>
+      </a:schemeClr>
+    </dgm:fillClrLst>
+    <dgm:linClrLst meth="repeat">
+      <a:schemeClr val="accent1"/>
+    </dgm:linClrLst>
+    <dgm:effectClrLst/>
+    <dgm:txLinClrLst/>
+    <dgm:txFillClrLst meth="repeat">
+      <a:schemeClr val="dk1"/>
+    </dgm:txFillClrLst>
+    <dgm:txEffectClrLst/>
+  </dgm:styleLbl>
+  <dgm:styleLbl name="bgAcc1">
+    <dgm:fillClrLst meth="repeat">
+      <a:schemeClr val="lt1">
+        <a:alpha val="90000"/>
+      </a:schemeClr>
+    </dgm:fillClrLst>
+    <dgm:linClrLst meth="repeat">
+      <a:schemeClr val="accent1"/>
+    </dgm:linClrLst>
+    <dgm:effectClrLst/>
+    <dgm:txLinClrLst/>
+    <dgm:txFillClrLst meth="repeat">
+      <a:schemeClr val="dk1"/>
+    </dgm:txFillClrLst>
+    <dgm:txEffectClrLst/>
+  </dgm:styleLbl>
+  <dgm:styleLbl name="solidFgAcc1">
+    <dgm:fillClrLst meth="repeat">
+      <a:schemeClr val="lt1"/>
+    </dgm:fillClrLst>
+    <dgm:linClrLst meth="repeat">
+      <a:schemeClr val="accent1"/>
+    </dgm:linClrLst>
+    <dgm:effectClrLst/>
+    <dgm:txLinClrLst/>
+    <dgm:txFillClrLst meth="repeat">
+      <a:schemeClr val="dk1"/>
+    </dgm:txFillClrLst>
+    <dgm:txEffectClrLst/>
+  </dgm:styleLbl>
+  <dgm:styleLbl name="solidAlignAcc1">
+    <dgm:fillClrLst meth="repeat">
+      <a:schemeClr val="lt1"/>
+    </dgm:fillClrLst>
+    <dgm:linClrLst meth="repeat">
+      <a:schemeClr val="accent1"/>
+    </dgm:linClrLst>
+    <dgm:effectClrLst/>
+    <dgm:txLinClrLst/>
+    <dgm:txFillClrLst meth="repeat">
+      <a:schemeClr val="dk1"/>
+    </dgm:txFillClrLst>
+    <dgm:txEffectClrLst/>
+  </dgm:styleLbl>
+  <dgm:styleLbl name="solidBgAcc1">
+    <dgm:fillClrLst meth="repeat">
+      <a:schemeClr val="lt1"/>
+    </dgm:fillClrLst>
+    <dgm:linClrLst meth="repeat">
+      <a:schemeClr val="accent1"/>
+    </dgm:linClrLst>
+    <dgm:effectClrLst/>
+    <dgm:txLinClrLst/>
+    <dgm:txFillClrLst meth="repeat">
+      <a:schemeClr val="dk1"/>
+    </dgm:txFillClrLst>
+    <dgm:txEffectClrLst/>
+  </dgm:styleLbl>
+  <dgm:styleLbl name="fgAccFollowNode1">
+    <dgm:fillClrLst meth="repeat">
+      <a:schemeClr val="accent1">
+        <a:alpha val="90000"/>
+        <a:tint val="40000"/>
+      </a:schemeClr>
+    </dgm:fillClrLst>
+    <dgm:linClrLst meth="repeat">
+      <a:schemeClr val="accent1">
+        <a:alpha val="90000"/>
+        <a:tint val="40000"/>
+      </a:schemeClr>
+    </dgm:linClrLst>
+    <dgm:effectClrLst/>
+    <dgm:txLinClrLst/>
+    <dgm:txFillClrLst meth="repeat">
+      <a:schemeClr val="dk1"/>
+    </dgm:txFillClrLst>
+    <dgm:txEffectClrLst/>
+  </dgm:styleLbl>
+  <dgm:styleLbl name="alignAccFollowNode1">
+    <dgm:fillClrLst meth="repeat">
+      <a:schemeClr val="accent1">
+        <a:alpha val="90000"/>
+        <a:tint val="40000"/>
+      </a:schemeClr>
+    </dgm:fillClrLst>
+    <dgm:linClrLst meth="repeat">
+      <a:schemeClr val="accent1">
+        <a:alpha val="90000"/>
+        <a:tint val="40000"/>
+      </a:schemeClr>
+    </dgm:linClrLst>
+    <dgm:effectClrLst/>
+    <dgm:txLinClrLst/>
+    <dgm:txFillClrLst meth="repeat">
+      <a:schemeClr val="dk1"/>
+    </dgm:txFillClrLst>
+    <dgm:txEffectClrLst/>
+  </dgm:styleLbl>
+  <dgm:styleLbl name="bgAccFollowNode1">
+    <dgm:fillClrLst meth="repeat">
+      <a:schemeClr val="accent1">
+        <a:alpha val="90000"/>
+        <a:tint val="40000"/>
+      </a:schemeClr>
+    </dgm:fillClrLst>
+    <dgm:linClrLst meth="repeat">
+      <a:schemeClr val="accent1">
+        <a:alpha val="90000"/>
+        <a:tint val="40000"/>
+      </a:schemeClr>
+    </dgm:linClrLst>
+    <dgm:effectClrLst/>
+    <dgm:txLinClrLst/>
+    <dgm:txFillClrLst meth="repeat">
+      <a:schemeClr val="dk1"/>
+    </dgm:txFillClrLst>
+    <dgm:txEffectClrLst/>
+  </dgm:styleLbl>
+  <dgm:styleLbl name="fgAcc0">
+    <dgm:fillClrLst meth="repeat">
+      <a:schemeClr val="lt1">
+        <a:alpha val="90000"/>
+      </a:schemeClr>
+    </dgm:fillClrLst>
+    <dgm:linClrLst meth="repeat">
+      <a:schemeClr val="accent1"/>
+    </dgm:linClrLst>
+    <dgm:effectClrLst/>
+    <dgm:txLinClrLst/>
+    <dgm:txFillClrLst meth="repeat">
+      <a:schemeClr val="dk1"/>
+    </dgm:txFillClrLst>
+    <dgm:txEffectClrLst/>
+  </dgm:styleLbl>
+  <dgm:styleLbl name="fgAcc2">
+    <dgm:fillClrLst meth="repeat">
+      <a:schemeClr val="lt1">
+        <a:alpha val="90000"/>
+      </a:schemeClr>
+    </dgm:fillClrLst>
+    <dgm:linClrLst meth="repeat">
+      <a:schemeClr val="accent1"/>
+    </dgm:linClrLst>
+    <dgm:effectClrLst/>
+    <dgm:txLinClrLst/>
+    <dgm:txFillClrLst meth="repeat">
+      <a:schemeClr val="dk1"/>
+    </dgm:txFillClrLst>
+    <dgm:txEffectClrLst/>
+  </dgm:styleLbl>
+  <dgm:styleLbl name="fgAcc3">
+    <dgm:fillClrLst meth="repeat">
+      <a:schemeClr val="lt1">
+        <a:alpha val="90000"/>
+      </a:schemeClr>
+    </dgm:fillClrLst>
+    <dgm:linClrLst meth="repeat">
+      <a:schemeClr val="accent1"/>
+    </dgm:linClrLst>
+    <dgm:effectClrLst/>
+    <dgm:txLinClrLst/>
+    <dgm:txFillClrLst meth="repeat">
+      <a:schemeClr val="dk1"/>
+    </dgm:txFillClrLst>
+    <dgm:txEffectClrLst/>
+  </dgm:styleLbl>
+  <dgm:styleLbl name="fgAcc4">
+    <dgm:fillClrLst meth="repeat">
+      <a:schemeClr val="lt1">
+        <a:alpha val="90000"/>
+      </a:schemeClr>
+    </dgm:fillClrLst>
+    <dgm:linClrLst meth="repeat">
+      <a:schemeClr val="accent1"/>
+    </dgm:linClrLst>
+    <dgm:effectClrLst/>
+    <dgm:txLinClrLst/>
+    <dgm:txFillClrLst meth="repeat">
+      <a:schemeClr val="dk1"/>
+    </dgm:txFillClrLst>
+    <dgm:txEffectClrLst/>
+  </dgm:styleLbl>
+  <dgm:styleLbl name="bgShp">
+    <dgm:fillClrLst meth="repeat">
+      <a:schemeClr val="accent1">
+        <a:tint val="40000"/>
+      </a:schemeClr>
+    </dgm:fillClrLst>
+    <dgm:linClrLst meth="repeat">
+      <a:schemeClr val="accent1"/>
+    </dgm:linClrLst>
+    <dgm:effectClrLst/>
+    <dgm:txLinClrLst/>
+    <dgm:txFillClrLst meth="repeat">
+      <a:schemeClr val="dk1"/>
+    </dgm:txFillClrLst>
+    <dgm:txEffectClrLst/>
+  </dgm:styleLbl>
+  <dgm:styleLbl name="dkBgShp">
+    <dgm:fillClrLst meth="repeat">
+      <a:schemeClr val="accent1">
+        <a:shade val="80000"/>
+      </a:schemeClr>
+    </dgm:fillClrLst>
+    <dgm:linClrLst meth="repeat">
+      <a:schemeClr val="accent1"/>
+    </dgm:linClrLst>
+    <dgm:effectClrLst/>
+    <dgm:txLinClrLst/>
+    <dgm:txFillClrLst meth="repeat">
+      <a:schemeClr val="lt1"/>
+    </dgm:txFillClrLst>
+    <dgm:txEffectClrLst/>
+  </dgm:styleLbl>
+  <dgm:styleLbl name="trBgShp">
+    <dgm:fillClrLst meth="repeat">
+      <a:schemeClr val="accent1">
+        <a:tint val="50000"/>
+        <a:alpha val="40000"/>
+      </a:schemeClr>
+    </dgm:fillClrLst>
+    <dgm:linClrLst meth="repeat">
+      <a:schemeClr val="accent1"/>
+    </dgm:linClrLst>
+    <dgm:effectClrLst/>
+    <dgm:txLinClrLst/>
+    <dgm:txFillClrLst meth="repeat">
+      <a:schemeClr val="lt1"/>
+    </dgm:txFillClrLst>
+    <dgm:txEffectClrLst/>
+  </dgm:styleLbl>
+  <dgm:styleLbl name="fgShp">
+    <dgm:fillClrLst meth="repeat">
+      <a:schemeClr val="accent1">
+        <a:tint val="60000"/>
+      </a:schemeClr>
+    </dgm:fillClrLst>
+    <dgm:linClrLst meth="repeat">
+      <a:schemeClr val="lt1"/>
+    </dgm:linClrLst>
+    <dgm:effectClrLst/>
+    <dgm:txLinClrLst/>
+    <dgm:txFillClrLst meth="repeat">
+      <a:schemeClr val="dk1"/>
+    </dgm:txFillClrLst>
+    <dgm:txEffectClrLst/>
+  </dgm:styleLbl>
+  <dgm:styleLbl name="revTx">
+    <dgm:fillClrLst meth="repeat">
+      <a:schemeClr val="lt1">
+        <a:alpha val="0"/>
+      </a:schemeClr>
+    </dgm:fillClrLst>
+    <dgm:linClrLst meth="repeat">
+      <a:schemeClr val="dk1">
+        <a:alpha val="0"/>
+      </a:schemeClr>
+    </dgm:linClrLst>
+    <dgm:effectClrLst/>
+    <dgm:txLinClrLst/>
+    <dgm:txFillClrLst meth="repeat">
+      <a:schemeClr val="tx1"/>
+    </dgm:txFillClrLst>
+    <dgm:txEffectClrLst/>
+  </dgm:styleLbl>
+</dgm:colorsDef>
+</file>
+
 <file path=ppt/diagrams/data1.xml><?xml version="1.0" encoding="utf-8"?>
+<dgm:dataModel xmlns:dgm="http://schemas.openxmlformats.org/drawingml/2006/diagram" xmlns:a="http://schemas.openxmlformats.org/drawingml/2006/main">
+  <dgm:ptLst>
+    <dgm:pt modelId="{43080D54-461E-47FF-9F23-74DB8B81554A}" type="doc">
+      <dgm:prSet loTypeId="urn:microsoft.com/office/officeart/2018/2/layout/IconVerticalSolidList" loCatId="icon" qsTypeId="urn:microsoft.com/office/officeart/2005/8/quickstyle/simple1" qsCatId="simple" csTypeId="urn:microsoft.com/office/officeart/2005/8/colors/accent1_2" csCatId="accent1" phldr="1"/>
+      <dgm:spPr/>
+      <dgm:t>
+        <a:bodyPr/>
+        <a:lstStyle/>
+        <a:p>
+          <a:endParaRPr lang="en-US"/>
+        </a:p>
+      </dgm:t>
+    </dgm:pt>
+    <dgm:pt modelId="{E24FEA54-9DD2-4DFF-8D08-E9690922B0AC}">
+      <dgm:prSet/>
+      <dgm:spPr/>
+      <dgm:t>
+        <a:bodyPr/>
+        <a:lstStyle/>
+        <a:p>
+          <a:pPr>
+            <a:lnSpc>
+              <a:spcPct val="100000"/>
+            </a:lnSpc>
+          </a:pPr>
+          <a:r>
+            <a:rPr lang="it-IT" dirty="0"/>
+            <a:t>Open the browser</a:t>
+          </a:r>
+          <a:endParaRPr lang="en-US" dirty="0"/>
+        </a:p>
+      </dgm:t>
+    </dgm:pt>
+    <dgm:pt modelId="{A70BBCD7-F648-4D1A-B529-06EECE5139D1}" type="parTrans" cxnId="{8D6A9359-00F3-494C-9354-9D1E586E9A68}">
+      <dgm:prSet/>
+      <dgm:spPr/>
+      <dgm:t>
+        <a:bodyPr/>
+        <a:lstStyle/>
+        <a:p>
+          <a:endParaRPr lang="en-US"/>
+        </a:p>
+      </dgm:t>
+    </dgm:pt>
+    <dgm:pt modelId="{8B401ED7-476B-4977-AC83-7D8108466F4B}" type="sibTrans" cxnId="{8D6A9359-00F3-494C-9354-9D1E586E9A68}">
+      <dgm:prSet/>
+      <dgm:spPr/>
+      <dgm:t>
+        <a:bodyPr/>
+        <a:lstStyle/>
+        <a:p>
+          <a:endParaRPr lang="en-US"/>
+        </a:p>
+      </dgm:t>
+    </dgm:pt>
+    <dgm:pt modelId="{17FD767B-8850-4DC5-838B-B9810308666D}">
+      <dgm:prSet/>
+      <dgm:spPr/>
+      <dgm:t>
+        <a:bodyPr/>
+        <a:lstStyle/>
+        <a:p>
+          <a:pPr>
+            <a:lnSpc>
+              <a:spcPct val="100000"/>
+            </a:lnSpc>
+          </a:pPr>
+          <a:r>
+            <a:rPr lang="it-IT" dirty="0" err="1"/>
+            <a:t>Enter</a:t>
+          </a:r>
+          <a:r>
+            <a:rPr lang="it-IT" dirty="0"/>
+            <a:t> the notebook `03-Housing-MachineLearning`</a:t>
+          </a:r>
+          <a:endParaRPr lang="en-US" dirty="0"/>
+        </a:p>
+      </dgm:t>
+    </dgm:pt>
+    <dgm:pt modelId="{1EC73261-59D8-4BC1-A77F-440060C4CE5E}" type="sibTrans" cxnId="{80EBFDAE-31AD-4D65-96A7-CBCC84157EAA}">
+      <dgm:prSet/>
+      <dgm:spPr/>
+      <dgm:t>
+        <a:bodyPr/>
+        <a:lstStyle/>
+        <a:p>
+          <a:endParaRPr lang="en-US"/>
+        </a:p>
+      </dgm:t>
+    </dgm:pt>
+    <dgm:pt modelId="{8A21885B-E326-4223-BF59-A6BC29BD324F}" type="parTrans" cxnId="{80EBFDAE-31AD-4D65-96A7-CBCC84157EAA}">
+      <dgm:prSet/>
+      <dgm:spPr/>
+      <dgm:t>
+        <a:bodyPr/>
+        <a:lstStyle/>
+        <a:p>
+          <a:endParaRPr lang="en-US"/>
+        </a:p>
+      </dgm:t>
+    </dgm:pt>
+    <dgm:pt modelId="{89ABC053-9CDA-4711-BD71-AFA62AE0C2EB}" type="pres">
+      <dgm:prSet presAssocID="{43080D54-461E-47FF-9F23-74DB8B81554A}" presName="root" presStyleCnt="0">
+        <dgm:presLayoutVars>
+          <dgm:dir/>
+          <dgm:resizeHandles val="exact"/>
+        </dgm:presLayoutVars>
+      </dgm:prSet>
+      <dgm:spPr/>
+    </dgm:pt>
+    <dgm:pt modelId="{3767F8DC-1F9F-4EFB-A2C5-FE015F3F074A}" type="pres">
+      <dgm:prSet presAssocID="{E24FEA54-9DD2-4DFF-8D08-E9690922B0AC}" presName="compNode" presStyleCnt="0"/>
+      <dgm:spPr/>
+    </dgm:pt>
+    <dgm:pt modelId="{C458BD67-BD9B-4B75-B2C9-A64481E261B9}" type="pres">
+      <dgm:prSet presAssocID="{E24FEA54-9DD2-4DFF-8D08-E9690922B0AC}" presName="bgRect" presStyleLbl="bgShp" presStyleIdx="0" presStyleCnt="2"/>
+      <dgm:spPr/>
+    </dgm:pt>
+    <dgm:pt modelId="{6D01FA83-B0A1-4A6B-BDA2-A67450453F79}" type="pres">
+      <dgm:prSet presAssocID="{E24FEA54-9DD2-4DFF-8D08-E9690922B0AC}" presName="iconRect" presStyleLbl="node1" presStyleIdx="0" presStyleCnt="2"/>
+      <dgm:spPr>
+        <a:blipFill>
+          <a:blip xmlns:r="http://schemas.openxmlformats.org/officeDocument/2006/relationships" r:embed="rId1">
+            <a:extLst>
+              <a:ext uri="{28A0092B-C50C-407E-A947-70E740481C1C}">
+                <a14:useLocalDpi xmlns:a14="http://schemas.microsoft.com/office/drawing/2010/main" val="0"/>
+              </a:ext>
+              <a:ext uri="{96DAC541-7B7A-43D3-8B79-37D633B846F1}">
+                <asvg:svgBlip xmlns:asvg="http://schemas.microsoft.com/office/drawing/2016/SVG/main" r:embed="rId2"/>
+              </a:ext>
+            </a:extLst>
+          </a:blip>
+          <a:stretch>
+            <a:fillRect/>
+          </a:stretch>
+        </a:blipFill>
+      </dgm:spPr>
+      <dgm:extLst>
+        <a:ext uri="{E40237B7-FDA0-4F09-8148-C483321AD2D9}">
+          <dgm14:cNvPr xmlns:dgm14="http://schemas.microsoft.com/office/drawing/2010/diagram" id="0" name="" descr="Browser Window"/>
+        </a:ext>
+      </dgm:extLst>
+    </dgm:pt>
+    <dgm:pt modelId="{743B9422-5CC2-4866-A6C4-E5D459CA0EC4}" type="pres">
+      <dgm:prSet presAssocID="{E24FEA54-9DD2-4DFF-8D08-E9690922B0AC}" presName="spaceRect" presStyleCnt="0"/>
+      <dgm:spPr/>
+    </dgm:pt>
+    <dgm:pt modelId="{61F75FB0-16F6-40FF-9661-5436EF9CAD59}" type="pres">
+      <dgm:prSet presAssocID="{E24FEA54-9DD2-4DFF-8D08-E9690922B0AC}" presName="parTx" presStyleLbl="revTx" presStyleIdx="0" presStyleCnt="2">
+        <dgm:presLayoutVars>
+          <dgm:chMax val="0"/>
+          <dgm:chPref val="0"/>
+        </dgm:presLayoutVars>
+      </dgm:prSet>
+      <dgm:spPr/>
+    </dgm:pt>
+    <dgm:pt modelId="{753E5E70-7D20-40F0-8078-AE06389BB4C3}" type="pres">
+      <dgm:prSet presAssocID="{8B401ED7-476B-4977-AC83-7D8108466F4B}" presName="sibTrans" presStyleCnt="0"/>
+      <dgm:spPr/>
+    </dgm:pt>
+    <dgm:pt modelId="{026673A8-96C7-4153-8D53-0A2D2B7676AD}" type="pres">
+      <dgm:prSet presAssocID="{17FD767B-8850-4DC5-838B-B9810308666D}" presName="compNode" presStyleCnt="0"/>
+      <dgm:spPr/>
+    </dgm:pt>
+    <dgm:pt modelId="{F29911C8-8EE1-4D05-A76D-5562C7675D34}" type="pres">
+      <dgm:prSet presAssocID="{17FD767B-8850-4DC5-838B-B9810308666D}" presName="bgRect" presStyleLbl="bgShp" presStyleIdx="1" presStyleCnt="2"/>
+      <dgm:spPr/>
+    </dgm:pt>
+    <dgm:pt modelId="{BFF34BF5-75F7-48DF-BD47-00DCEBBE3548}" type="pres">
+      <dgm:prSet presAssocID="{17FD767B-8850-4DC5-838B-B9810308666D}" presName="iconRect" presStyleLbl="node1" presStyleIdx="1" presStyleCnt="2"/>
+      <dgm:spPr>
+        <a:blipFill>
+          <a:blip xmlns:r="http://schemas.openxmlformats.org/officeDocument/2006/relationships" r:embed="rId3">
+            <a:extLst>
+              <a:ext uri="{28A0092B-C50C-407E-A947-70E740481C1C}">
+                <a14:useLocalDpi xmlns:a14="http://schemas.microsoft.com/office/drawing/2010/main" val="0"/>
+              </a:ext>
+              <a:ext uri="{96DAC541-7B7A-43D3-8B79-37D633B846F1}">
+                <asvg:svgBlip xmlns:asvg="http://schemas.microsoft.com/office/drawing/2016/SVG/main" r:embed="rId4"/>
+              </a:ext>
+            </a:extLst>
+          </a:blip>
+          <a:stretch>
+            <a:fillRect/>
+          </a:stretch>
+        </a:blipFill>
+      </dgm:spPr>
+      <dgm:extLst>
+        <a:ext uri="{E40237B7-FDA0-4F09-8148-C483321AD2D9}">
+          <dgm14:cNvPr xmlns:dgm14="http://schemas.microsoft.com/office/drawing/2010/diagram" id="0" name="" descr="Closed Book"/>
+        </a:ext>
+      </dgm:extLst>
+    </dgm:pt>
+    <dgm:pt modelId="{B5FF5596-1E0D-4B76-8F3F-8EAD99B09F58}" type="pres">
+      <dgm:prSet presAssocID="{17FD767B-8850-4DC5-838B-B9810308666D}" presName="spaceRect" presStyleCnt="0"/>
+      <dgm:spPr/>
+    </dgm:pt>
+    <dgm:pt modelId="{661B8371-F462-499B-A18D-E624F207C581}" type="pres">
+      <dgm:prSet presAssocID="{17FD767B-8850-4DC5-838B-B9810308666D}" presName="parTx" presStyleLbl="revTx" presStyleIdx="1" presStyleCnt="2">
+        <dgm:presLayoutVars>
+          <dgm:chMax val="0"/>
+          <dgm:chPref val="0"/>
+        </dgm:presLayoutVars>
+      </dgm:prSet>
+      <dgm:spPr/>
+    </dgm:pt>
+  </dgm:ptLst>
+  <dgm:cxnLst>
+    <dgm:cxn modelId="{E369551A-0CAA-43A2-9977-43936AB8D857}" type="presOf" srcId="{17FD767B-8850-4DC5-838B-B9810308666D}" destId="{661B8371-F462-499B-A18D-E624F207C581}" srcOrd="0" destOrd="0" presId="urn:microsoft.com/office/officeart/2018/2/layout/IconVerticalSolidList"/>
+    <dgm:cxn modelId="{A2BC4675-E065-491D-B58E-258652CB1BD3}" type="presOf" srcId="{43080D54-461E-47FF-9F23-74DB8B81554A}" destId="{89ABC053-9CDA-4711-BD71-AFA62AE0C2EB}" srcOrd="0" destOrd="0" presId="urn:microsoft.com/office/officeart/2018/2/layout/IconVerticalSolidList"/>
+    <dgm:cxn modelId="{8D6A9359-00F3-494C-9354-9D1E586E9A68}" srcId="{43080D54-461E-47FF-9F23-74DB8B81554A}" destId="{E24FEA54-9DD2-4DFF-8D08-E9690922B0AC}" srcOrd="0" destOrd="0" parTransId="{A70BBCD7-F648-4D1A-B529-06EECE5139D1}" sibTransId="{8B401ED7-476B-4977-AC83-7D8108466F4B}"/>
+    <dgm:cxn modelId="{E203F99D-55EF-497B-B4DE-FA32FF3DD410}" type="presOf" srcId="{E24FEA54-9DD2-4DFF-8D08-E9690922B0AC}" destId="{61F75FB0-16F6-40FF-9661-5436EF9CAD59}" srcOrd="0" destOrd="0" presId="urn:microsoft.com/office/officeart/2018/2/layout/IconVerticalSolidList"/>
+    <dgm:cxn modelId="{80EBFDAE-31AD-4D65-96A7-CBCC84157EAA}" srcId="{43080D54-461E-47FF-9F23-74DB8B81554A}" destId="{17FD767B-8850-4DC5-838B-B9810308666D}" srcOrd="1" destOrd="0" parTransId="{8A21885B-E326-4223-BF59-A6BC29BD324F}" sibTransId="{1EC73261-59D8-4BC1-A77F-440060C4CE5E}"/>
+    <dgm:cxn modelId="{95701E78-612C-4393-8319-B4C5AD4C507F}" type="presParOf" srcId="{89ABC053-9CDA-4711-BD71-AFA62AE0C2EB}" destId="{3767F8DC-1F9F-4EFB-A2C5-FE015F3F074A}" srcOrd="0" destOrd="0" presId="urn:microsoft.com/office/officeart/2018/2/layout/IconVerticalSolidList"/>
+    <dgm:cxn modelId="{A0A1D114-5239-417F-A288-99AEB8E137BD}" type="presParOf" srcId="{3767F8DC-1F9F-4EFB-A2C5-FE015F3F074A}" destId="{C458BD67-BD9B-4B75-B2C9-A64481E261B9}" srcOrd="0" destOrd="0" presId="urn:microsoft.com/office/officeart/2018/2/layout/IconVerticalSolidList"/>
+    <dgm:cxn modelId="{4E672CA5-35C9-4E52-8925-C3023816C0E1}" type="presParOf" srcId="{3767F8DC-1F9F-4EFB-A2C5-FE015F3F074A}" destId="{6D01FA83-B0A1-4A6B-BDA2-A67450453F79}" srcOrd="1" destOrd="0" presId="urn:microsoft.com/office/officeart/2018/2/layout/IconVerticalSolidList"/>
+    <dgm:cxn modelId="{95B4AE0C-303D-4356-BB3E-7973334899F0}" type="presParOf" srcId="{3767F8DC-1F9F-4EFB-A2C5-FE015F3F074A}" destId="{743B9422-5CC2-4866-A6C4-E5D459CA0EC4}" srcOrd="2" destOrd="0" presId="urn:microsoft.com/office/officeart/2018/2/layout/IconVerticalSolidList"/>
+    <dgm:cxn modelId="{81F7A077-B5A3-4BC8-A128-770415CBE4D7}" type="presParOf" srcId="{3767F8DC-1F9F-4EFB-A2C5-FE015F3F074A}" destId="{61F75FB0-16F6-40FF-9661-5436EF9CAD59}" srcOrd="3" destOrd="0" presId="urn:microsoft.com/office/officeart/2018/2/layout/IconVerticalSolidList"/>
+    <dgm:cxn modelId="{16775C30-7F3D-4EE9-9403-A437DEBDFA27}" type="presParOf" srcId="{89ABC053-9CDA-4711-BD71-AFA62AE0C2EB}" destId="{753E5E70-7D20-40F0-8078-AE06389BB4C3}" srcOrd="1" destOrd="0" presId="urn:microsoft.com/office/officeart/2018/2/layout/IconVerticalSolidList"/>
+    <dgm:cxn modelId="{6A1A8377-79B3-425D-ADDB-4DFA94AABE85}" type="presParOf" srcId="{89ABC053-9CDA-4711-BD71-AFA62AE0C2EB}" destId="{026673A8-96C7-4153-8D53-0A2D2B7676AD}" srcOrd="2" destOrd="0" presId="urn:microsoft.com/office/officeart/2018/2/layout/IconVerticalSolidList"/>
+    <dgm:cxn modelId="{A8419B70-8F0D-4C13-AC30-1708B53E8B05}" type="presParOf" srcId="{026673A8-96C7-4153-8D53-0A2D2B7676AD}" destId="{F29911C8-8EE1-4D05-A76D-5562C7675D34}" srcOrd="0" destOrd="0" presId="urn:microsoft.com/office/officeart/2018/2/layout/IconVerticalSolidList"/>
+    <dgm:cxn modelId="{D7B45FD7-F5D2-4703-8920-EA674A9736DD}" type="presParOf" srcId="{026673A8-96C7-4153-8D53-0A2D2B7676AD}" destId="{BFF34BF5-75F7-48DF-BD47-00DCEBBE3548}" srcOrd="1" destOrd="0" presId="urn:microsoft.com/office/officeart/2018/2/layout/IconVerticalSolidList"/>
+    <dgm:cxn modelId="{279C8F0B-E54B-4466-AB3C-77FBC6DA7AC5}" type="presParOf" srcId="{026673A8-96C7-4153-8D53-0A2D2B7676AD}" destId="{B5FF5596-1E0D-4B76-8F3F-8EAD99B09F58}" srcOrd="2" destOrd="0" presId="urn:microsoft.com/office/officeart/2018/2/layout/IconVerticalSolidList"/>
+    <dgm:cxn modelId="{5025BBC7-E9E8-4C09-9F13-CF55FEB4ED18}" type="presParOf" srcId="{026673A8-96C7-4153-8D53-0A2D2B7676AD}" destId="{661B8371-F462-499B-A18D-E624F207C581}" srcOrd="3" destOrd="0" presId="urn:microsoft.com/office/officeart/2018/2/layout/IconVerticalSolidList"/>
+  </dgm:cxnLst>
+  <dgm:bg/>
+  <dgm:whole/>
+  <dgm:extLst>
+    <a:ext uri="http://schemas.microsoft.com/office/drawing/2008/diagram">
+      <dsp:dataModelExt xmlns:dsp="http://schemas.microsoft.com/office/drawing/2008/diagram" relId="rId6" minVer="http://schemas.openxmlformats.org/drawingml/2006/diagram"/>
+    </a:ext>
+  </dgm:extLst>
+</dgm:dataModel>
+</file>
+
+<file path=ppt/diagrams/data2.xml><?xml version="1.0" encoding="utf-8"?>
 <dgm:dataModel xmlns:dgm="http://schemas.openxmlformats.org/drawingml/2006/diagram" xmlns:a="http://schemas.openxmlformats.org/drawingml/2006/main">
   <dgm:ptLst>
     <dgm:pt modelId="{43080D54-461E-47FF-9F23-74DB8B81554A}" type="doc">
@@ -1429,6 +2413,342 @@
 </file>
 
 <file path=ppt/diagrams/drawing1.xml><?xml version="1.0" encoding="utf-8"?>
+<dsp:drawing xmlns:dgm="http://schemas.openxmlformats.org/drawingml/2006/diagram" xmlns:dsp="http://schemas.microsoft.com/office/drawing/2008/diagram" xmlns:a="http://schemas.openxmlformats.org/drawingml/2006/main">
+  <dsp:spTree>
+    <dsp:nvGrpSpPr>
+      <dsp:cNvPr id="0" name=""/>
+      <dsp:cNvGrpSpPr/>
+    </dsp:nvGrpSpPr>
+    <dsp:grpSpPr/>
+    <dsp:sp modelId="{C458BD67-BD9B-4B75-B2C9-A64481E261B9}">
+      <dsp:nvSpPr>
+        <dsp:cNvPr id="0" name=""/>
+        <dsp:cNvSpPr/>
+      </dsp:nvSpPr>
+      <dsp:spPr>
+        <a:xfrm>
+          <a:off x="0" y="707092"/>
+          <a:ext cx="5586350" cy="1305401"/>
+        </a:xfrm>
+        <a:prstGeom prst="roundRect">
+          <a:avLst>
+            <a:gd name="adj" fmla="val 10000"/>
+          </a:avLst>
+        </a:prstGeom>
+        <a:solidFill>
+          <a:schemeClr val="accent1">
+            <a:tint val="40000"/>
+            <a:hueOff val="0"/>
+            <a:satOff val="0"/>
+            <a:lumOff val="0"/>
+            <a:alphaOff val="0"/>
+          </a:schemeClr>
+        </a:solidFill>
+        <a:ln>
+          <a:noFill/>
+        </a:ln>
+        <a:effectLst/>
+      </dsp:spPr>
+      <dsp:style>
+        <a:lnRef idx="0">
+          <a:scrgbClr r="0" g="0" b="0"/>
+        </a:lnRef>
+        <a:fillRef idx="1">
+          <a:scrgbClr r="0" g="0" b="0"/>
+        </a:fillRef>
+        <a:effectRef idx="0">
+          <a:scrgbClr r="0" g="0" b="0"/>
+        </a:effectRef>
+        <a:fontRef idx="minor"/>
+      </dsp:style>
+    </dsp:sp>
+    <dsp:sp modelId="{6D01FA83-B0A1-4A6B-BDA2-A67450453F79}">
+      <dsp:nvSpPr>
+        <dsp:cNvPr id="0" name=""/>
+        <dsp:cNvSpPr/>
+      </dsp:nvSpPr>
+      <dsp:spPr>
+        <a:xfrm>
+          <a:off x="394883" y="1000807"/>
+          <a:ext cx="717970" cy="717970"/>
+        </a:xfrm>
+        <a:prstGeom prst="rect">
+          <a:avLst/>
+        </a:prstGeom>
+        <a:blipFill>
+          <a:blip xmlns:r="http://schemas.openxmlformats.org/officeDocument/2006/relationships" r:embed="rId1">
+            <a:extLst>
+              <a:ext uri="{28A0092B-C50C-407E-A947-70E740481C1C}">
+                <a14:useLocalDpi xmlns:a14="http://schemas.microsoft.com/office/drawing/2010/main" val="0"/>
+              </a:ext>
+              <a:ext uri="{96DAC541-7B7A-43D3-8B79-37D633B846F1}">
+                <asvg:svgBlip xmlns:asvg="http://schemas.microsoft.com/office/drawing/2016/SVG/main" r:embed="rId2"/>
+              </a:ext>
+            </a:extLst>
+          </a:blip>
+          <a:stretch>
+            <a:fillRect/>
+          </a:stretch>
+        </a:blipFill>
+        <a:ln w="12700" cap="flat" cmpd="sng" algn="ctr">
+          <a:solidFill>
+            <a:schemeClr val="lt1">
+              <a:hueOff val="0"/>
+              <a:satOff val="0"/>
+              <a:lumOff val="0"/>
+              <a:alphaOff val="0"/>
+            </a:schemeClr>
+          </a:solidFill>
+          <a:prstDash val="solid"/>
+          <a:miter lim="800000"/>
+        </a:ln>
+        <a:effectLst/>
+      </dsp:spPr>
+      <dsp:style>
+        <a:lnRef idx="2">
+          <a:scrgbClr r="0" g="0" b="0"/>
+        </a:lnRef>
+        <a:fillRef idx="1">
+          <a:scrgbClr r="0" g="0" b="0"/>
+        </a:fillRef>
+        <a:effectRef idx="0">
+          <a:scrgbClr r="0" g="0" b="0"/>
+        </a:effectRef>
+        <a:fontRef idx="minor">
+          <a:schemeClr val="lt1"/>
+        </a:fontRef>
+      </dsp:style>
+    </dsp:sp>
+    <dsp:sp modelId="{61F75FB0-16F6-40FF-9661-5436EF9CAD59}">
+      <dsp:nvSpPr>
+        <dsp:cNvPr id="0" name=""/>
+        <dsp:cNvSpPr/>
+      </dsp:nvSpPr>
+      <dsp:spPr>
+        <a:xfrm>
+          <a:off x="1507738" y="707092"/>
+          <a:ext cx="4078612" cy="1305401"/>
+        </a:xfrm>
+        <a:prstGeom prst="rect">
+          <a:avLst/>
+        </a:prstGeom>
+        <a:noFill/>
+        <a:ln>
+          <a:noFill/>
+        </a:ln>
+        <a:effectLst/>
+      </dsp:spPr>
+      <dsp:style>
+        <a:lnRef idx="0">
+          <a:scrgbClr r="0" g="0" b="0"/>
+        </a:lnRef>
+        <a:fillRef idx="0">
+          <a:scrgbClr r="0" g="0" b="0"/>
+        </a:fillRef>
+        <a:effectRef idx="0">
+          <a:scrgbClr r="0" g="0" b="0"/>
+        </a:effectRef>
+        <a:fontRef idx="minor"/>
+      </dsp:style>
+      <dsp:txBody>
+        <a:bodyPr spcFirstLastPara="0" vert="horz" wrap="square" lIns="138155" tIns="138155" rIns="138155" bIns="138155" numCol="1" spcCol="1270" anchor="ctr" anchorCtr="0">
+          <a:noAutofit/>
+        </a:bodyPr>
+        <a:lstStyle/>
+        <a:p>
+          <a:pPr marL="0" lvl="0" indent="0" algn="l" defTabSz="1111250">
+            <a:lnSpc>
+              <a:spcPct val="100000"/>
+            </a:lnSpc>
+            <a:spcBef>
+              <a:spcPct val="0"/>
+            </a:spcBef>
+            <a:spcAft>
+              <a:spcPct val="35000"/>
+            </a:spcAft>
+            <a:buNone/>
+          </a:pPr>
+          <a:r>
+            <a:rPr lang="it-IT" sz="2500" kern="1200" dirty="0"/>
+            <a:t>Open the browser</a:t>
+          </a:r>
+          <a:endParaRPr lang="en-US" sz="2500" kern="1200" dirty="0"/>
+        </a:p>
+      </dsp:txBody>
+      <dsp:txXfrm>
+        <a:off x="1507738" y="707092"/>
+        <a:ext cx="4078612" cy="1305401"/>
+      </dsp:txXfrm>
+    </dsp:sp>
+    <dsp:sp modelId="{F29911C8-8EE1-4D05-A76D-5562C7675D34}">
+      <dsp:nvSpPr>
+        <dsp:cNvPr id="0" name=""/>
+        <dsp:cNvSpPr/>
+      </dsp:nvSpPr>
+      <dsp:spPr>
+        <a:xfrm>
+          <a:off x="0" y="2338844"/>
+          <a:ext cx="5586350" cy="1305401"/>
+        </a:xfrm>
+        <a:prstGeom prst="roundRect">
+          <a:avLst>
+            <a:gd name="adj" fmla="val 10000"/>
+          </a:avLst>
+        </a:prstGeom>
+        <a:solidFill>
+          <a:schemeClr val="accent1">
+            <a:tint val="40000"/>
+            <a:hueOff val="0"/>
+            <a:satOff val="0"/>
+            <a:lumOff val="0"/>
+            <a:alphaOff val="0"/>
+          </a:schemeClr>
+        </a:solidFill>
+        <a:ln>
+          <a:noFill/>
+        </a:ln>
+        <a:effectLst/>
+      </dsp:spPr>
+      <dsp:style>
+        <a:lnRef idx="0">
+          <a:scrgbClr r="0" g="0" b="0"/>
+        </a:lnRef>
+        <a:fillRef idx="1">
+          <a:scrgbClr r="0" g="0" b="0"/>
+        </a:fillRef>
+        <a:effectRef idx="0">
+          <a:scrgbClr r="0" g="0" b="0"/>
+        </a:effectRef>
+        <a:fontRef idx="minor"/>
+      </dsp:style>
+    </dsp:sp>
+    <dsp:sp modelId="{BFF34BF5-75F7-48DF-BD47-00DCEBBE3548}">
+      <dsp:nvSpPr>
+        <dsp:cNvPr id="0" name=""/>
+        <dsp:cNvSpPr/>
+      </dsp:nvSpPr>
+      <dsp:spPr>
+        <a:xfrm>
+          <a:off x="394883" y="2632559"/>
+          <a:ext cx="717970" cy="717970"/>
+        </a:xfrm>
+        <a:prstGeom prst="rect">
+          <a:avLst/>
+        </a:prstGeom>
+        <a:blipFill>
+          <a:blip xmlns:r="http://schemas.openxmlformats.org/officeDocument/2006/relationships" r:embed="rId3">
+            <a:extLst>
+              <a:ext uri="{28A0092B-C50C-407E-A947-70E740481C1C}">
+                <a14:useLocalDpi xmlns:a14="http://schemas.microsoft.com/office/drawing/2010/main" val="0"/>
+              </a:ext>
+              <a:ext uri="{96DAC541-7B7A-43D3-8B79-37D633B846F1}">
+                <asvg:svgBlip xmlns:asvg="http://schemas.microsoft.com/office/drawing/2016/SVG/main" r:embed="rId4"/>
+              </a:ext>
+            </a:extLst>
+          </a:blip>
+          <a:stretch>
+            <a:fillRect/>
+          </a:stretch>
+        </a:blipFill>
+        <a:ln w="12700" cap="flat" cmpd="sng" algn="ctr">
+          <a:solidFill>
+            <a:schemeClr val="lt1">
+              <a:hueOff val="0"/>
+              <a:satOff val="0"/>
+              <a:lumOff val="0"/>
+              <a:alphaOff val="0"/>
+            </a:schemeClr>
+          </a:solidFill>
+          <a:prstDash val="solid"/>
+          <a:miter lim="800000"/>
+        </a:ln>
+        <a:effectLst/>
+      </dsp:spPr>
+      <dsp:style>
+        <a:lnRef idx="2">
+          <a:scrgbClr r="0" g="0" b="0"/>
+        </a:lnRef>
+        <a:fillRef idx="1">
+          <a:scrgbClr r="0" g="0" b="0"/>
+        </a:fillRef>
+        <a:effectRef idx="0">
+          <a:scrgbClr r="0" g="0" b="0"/>
+        </a:effectRef>
+        <a:fontRef idx="minor">
+          <a:schemeClr val="lt1"/>
+        </a:fontRef>
+      </dsp:style>
+    </dsp:sp>
+    <dsp:sp modelId="{661B8371-F462-499B-A18D-E624F207C581}">
+      <dsp:nvSpPr>
+        <dsp:cNvPr id="0" name=""/>
+        <dsp:cNvSpPr/>
+      </dsp:nvSpPr>
+      <dsp:spPr>
+        <a:xfrm>
+          <a:off x="1507738" y="2338844"/>
+          <a:ext cx="4078612" cy="1305401"/>
+        </a:xfrm>
+        <a:prstGeom prst="rect">
+          <a:avLst/>
+        </a:prstGeom>
+        <a:noFill/>
+        <a:ln>
+          <a:noFill/>
+        </a:ln>
+        <a:effectLst/>
+      </dsp:spPr>
+      <dsp:style>
+        <a:lnRef idx="0">
+          <a:scrgbClr r="0" g="0" b="0"/>
+        </a:lnRef>
+        <a:fillRef idx="0">
+          <a:scrgbClr r="0" g="0" b="0"/>
+        </a:fillRef>
+        <a:effectRef idx="0">
+          <a:scrgbClr r="0" g="0" b="0"/>
+        </a:effectRef>
+        <a:fontRef idx="minor"/>
+      </dsp:style>
+      <dsp:txBody>
+        <a:bodyPr spcFirstLastPara="0" vert="horz" wrap="square" lIns="138155" tIns="138155" rIns="138155" bIns="138155" numCol="1" spcCol="1270" anchor="ctr" anchorCtr="0">
+          <a:noAutofit/>
+        </a:bodyPr>
+        <a:lstStyle/>
+        <a:p>
+          <a:pPr marL="0" lvl="0" indent="0" algn="l" defTabSz="1111250">
+            <a:lnSpc>
+              <a:spcPct val="100000"/>
+            </a:lnSpc>
+            <a:spcBef>
+              <a:spcPct val="0"/>
+            </a:spcBef>
+            <a:spcAft>
+              <a:spcPct val="35000"/>
+            </a:spcAft>
+            <a:buNone/>
+          </a:pPr>
+          <a:r>
+            <a:rPr lang="it-IT" sz="2500" kern="1200" dirty="0" err="1"/>
+            <a:t>Enter</a:t>
+          </a:r>
+          <a:r>
+            <a:rPr lang="it-IT" sz="2500" kern="1200" dirty="0"/>
+            <a:t> the notebook `03-Housing-MachineLearning`</a:t>
+          </a:r>
+          <a:endParaRPr lang="en-US" sz="2500" kern="1200" dirty="0"/>
+        </a:p>
+      </dsp:txBody>
+      <dsp:txXfrm>
+        <a:off x="1507738" y="2338844"/>
+        <a:ext cx="4078612" cy="1305401"/>
+      </dsp:txXfrm>
+    </dsp:sp>
+  </dsp:spTree>
+</dsp:drawing>
+</file>
+
+<file path=ppt/diagrams/drawing2.xml><?xml version="1.0" encoding="utf-8"?>
 <dsp:drawing xmlns:dgm="http://schemas.openxmlformats.org/drawingml/2006/diagram" xmlns:dsp="http://schemas.microsoft.com/office/drawing/2008/diagram" xmlns:a="http://schemas.openxmlformats.org/drawingml/2006/main">
   <dsp:spTree>
     <dsp:nvGrpSpPr>
@@ -2546,7 +3866,1335 @@
 </dgm:layoutDef>
 </file>
 
+<file path=ppt/diagrams/layout2.xml><?xml version="1.0" encoding="utf-8"?>
+<dgm:layoutDef xmlns:dgm="http://schemas.openxmlformats.org/drawingml/2006/diagram" xmlns:a="http://schemas.openxmlformats.org/drawingml/2006/main" uniqueId="urn:microsoft.com/office/officeart/2018/2/layout/IconVerticalSolidList">
+  <dgm:title val="Icon Vertical Solid List"/>
+  <dgm:desc val="Use to show a series of visuals from top to bottom with Level 1 or Level 1 and Level 2 text grouped in a shape. Works best with icons or small pictures with lengthier descriptions."/>
+  <dgm:catLst>
+    <dgm:cat type="icon" pri="500"/>
+  </dgm:catLst>
+  <dgm:sampData useDef="1">
+    <dgm:dataModel>
+      <dgm:ptLst/>
+      <dgm:bg/>
+      <dgm:whole/>
+    </dgm:dataModel>
+  </dgm:sampData>
+  <dgm:styleData useDef="1">
+    <dgm:dataModel>
+      <dgm:ptLst/>
+      <dgm:bg/>
+      <dgm:whole/>
+    </dgm:dataModel>
+  </dgm:styleData>
+  <dgm:clrData useDef="1">
+    <dgm:dataModel>
+      <dgm:ptLst/>
+      <dgm:bg/>
+      <dgm:whole/>
+    </dgm:dataModel>
+  </dgm:clrData>
+  <dgm:layoutNode name="root">
+    <dgm:varLst>
+      <dgm:dir/>
+      <dgm:resizeHandles val="exact"/>
+    </dgm:varLst>
+    <dgm:choose name="Name0">
+      <dgm:if name="Name1" axis="self" func="var" arg="dir" op="equ" val="norm">
+        <dgm:alg type="lin">
+          <dgm:param type="linDir" val="fromT"/>
+          <dgm:param type="nodeHorzAlign" val="l"/>
+        </dgm:alg>
+      </dgm:if>
+      <dgm:else name="Name2">
+        <dgm:alg type="lin">
+          <dgm:param type="linDir" val="fromT"/>
+          <dgm:param type="nodeHorzAlign" val="r"/>
+        </dgm:alg>
+      </dgm:else>
+    </dgm:choose>
+    <dgm:shape xmlns:r="http://schemas.openxmlformats.org/officeDocument/2006/relationships" r:blip="">
+      <dgm:adjLst/>
+    </dgm:shape>
+    <dgm:presOf/>
+    <dgm:choose name="Name3">
+      <dgm:if name="Name4" axis="ch" ptType="node" func="cnt" op="lte" val="3">
+        <dgm:constrLst>
+          <dgm:constr type="h" for="ch" forName="compNode" refType="h" fact="0.3"/>
+          <dgm:constr type="w" for="ch" forName="compNode" refType="w"/>
+          <dgm:constr type="h" for="ch" forName="sibTrans" refType="h" refFor="ch" refForName="compNode" fact="0.25"/>
+          <dgm:constr type="primFontSz" for="des" forName="parTx" val="25"/>
+          <dgm:constr type="primFontSz" for="des" forName="desTx" refType="primFontSz" refFor="des" refForName="parTx" op="lte" fact="0.75"/>
+          <dgm:constr type="h" for="des" forName="compNode" op="equ"/>
+          <dgm:constr type="h" for="des" forName="bgRect" op="equ"/>
+          <dgm:constr type="h" for="des" forName="iconRect" op="equ"/>
+          <dgm:constr type="w" for="des" forName="iconRect" op="equ"/>
+          <dgm:constr type="h" for="des" forName="spaceRect" op="equ"/>
+          <dgm:constr type="h" for="des" forName="parTx" op="equ"/>
+          <dgm:constr type="h" for="des" forName="desTx" op="equ"/>
+        </dgm:constrLst>
+      </dgm:if>
+      <dgm:if name="Name5" axis="ch" ptType="node" func="cnt" op="lte" val="4">
+        <dgm:constrLst>
+          <dgm:constr type="h" for="ch" forName="compNode" refType="h" fact="0.3"/>
+          <dgm:constr type="w" for="ch" forName="compNode" refType="w"/>
+          <dgm:constr type="h" for="ch" forName="sibTrans" refType="h" refFor="ch" refForName="compNode" fact="0.25"/>
+          <dgm:constr type="primFontSz" for="des" forName="parTx" val="22"/>
+          <dgm:constr type="primFontSz" for="des" forName="desTx" refType="primFontSz" refFor="des" refForName="parTx" op="lte" fact="0.75"/>
+          <dgm:constr type="h" for="des" forName="compNode" op="equ"/>
+          <dgm:constr type="h" for="des" forName="bgRect" op="equ"/>
+          <dgm:constr type="h" for="des" forName="iconRect" op="equ"/>
+          <dgm:constr type="w" for="des" forName="iconRect" op="equ"/>
+          <dgm:constr type="h" for="des" forName="spaceRect" op="equ"/>
+          <dgm:constr type="h" for="des" forName="parTx" op="equ"/>
+          <dgm:constr type="h" for="des" forName="desTx" op="equ"/>
+        </dgm:constrLst>
+      </dgm:if>
+      <dgm:if name="Name6" axis="ch" ptType="node" func="cnt" op="lte" val="6">
+        <dgm:constrLst>
+          <dgm:constr type="h" for="ch" forName="compNode" refType="h" fact="0.3"/>
+          <dgm:constr type="w" for="ch" forName="compNode" refType="w"/>
+          <dgm:constr type="h" for="ch" forName="sibTrans" refType="h" refFor="ch" refForName="compNode" fact="0.25"/>
+          <dgm:constr type="primFontSz" for="des" forName="parTx" val="19"/>
+          <dgm:constr type="primFontSz" for="des" forName="desTx" refType="primFontSz" refFor="des" refForName="parTx" op="lte" fact="0.75"/>
+          <dgm:constr type="h" for="des" forName="compNode" op="equ"/>
+          <dgm:constr type="h" for="des" forName="bgRect" op="equ"/>
+          <dgm:constr type="h" for="des" forName="iconRect" op="equ"/>
+          <dgm:constr type="w" for="des" forName="iconRect" op="equ"/>
+          <dgm:constr type="h" for="des" forName="spaceRect" op="equ"/>
+          <dgm:constr type="h" for="des" forName="parTx" op="equ"/>
+          <dgm:constr type="h" for="des" forName="desTx" op="equ"/>
+        </dgm:constrLst>
+      </dgm:if>
+      <dgm:else name="Name7">
+        <dgm:constrLst>
+          <dgm:constr type="h" for="ch" forName="compNode" refType="h" fact="0.3"/>
+          <dgm:constr type="w" for="ch" forName="compNode" refType="w"/>
+          <dgm:constr type="h" for="ch" forName="sibTrans" refType="h" refFor="ch" refForName="compNode" fact="0.25"/>
+          <dgm:constr type="primFontSz" for="des" forName="parTx" val="16"/>
+          <dgm:constr type="primFontSz" for="des" forName="desTx" refType="primFontSz" refFor="des" refForName="parTx" op="lte" fact="0.75"/>
+          <dgm:constr type="h" for="des" forName="compNode" op="equ"/>
+          <dgm:constr type="h" for="des" forName="bgRect" op="equ"/>
+          <dgm:constr type="h" for="des" forName="iconRect" op="equ"/>
+          <dgm:constr type="w" for="des" forName="iconRect" op="equ"/>
+          <dgm:constr type="h" for="des" forName="spaceRect" op="equ"/>
+          <dgm:constr type="h" for="des" forName="parTx" op="equ"/>
+          <dgm:constr type="h" for="des" forName="desTx" op="equ"/>
+        </dgm:constrLst>
+      </dgm:else>
+    </dgm:choose>
+    <dgm:ruleLst>
+      <dgm:rule type="h" for="ch" forName="compNode" val="0" fact="NaN" max="NaN"/>
+    </dgm:ruleLst>
+    <dgm:forEach name="Name8" axis="ch" ptType="node">
+      <dgm:layoutNode name="compNode">
+        <dgm:alg type="composite"/>
+        <dgm:shape xmlns:r="http://schemas.openxmlformats.org/officeDocument/2006/relationships" r:blip="">
+          <dgm:adjLst/>
+        </dgm:shape>
+        <dgm:presOf axis="self"/>
+        <dgm:choose name="Name9">
+          <dgm:if name="Name10" axis="ch" ptType="node" func="cnt" op="gte" val="1">
+            <dgm:constrLst>
+              <dgm:constr type="w" for="ch" forName="bgRect" refType="w"/>
+              <dgm:constr type="h" for="ch" forName="bgRect" refType="h"/>
+              <dgm:constr type="l" for="ch" forName="bgRect"/>
+              <dgm:constr type="t" for="ch" forName="bgRect"/>
+              <dgm:constr type="h" for="ch" forName="iconRect" refType="h" fact="0.55"/>
+              <dgm:constr type="w" for="ch" forName="iconRect" refType="h" refFor="ch" refForName="iconRect"/>
+              <dgm:constr type="l" for="ch" forName="iconRect" refType="h" refFor="ch" refForName="iconRect" fact="0.55"/>
+              <dgm:constr type="ctrY" for="ch" forName="iconRect" refType="ctrY" refFor="ch" refForName="bgRect"/>
+              <dgm:constr type="w" for="ch" forName="spaceRect" refType="l" refFor="ch" refForName="iconRect"/>
+              <dgm:constr type="h" for="ch" forName="spaceRect" refType="h"/>
+              <dgm:constr type="l" for="ch" forName="spaceRect" refType="r" refFor="ch" refForName="iconRect"/>
+              <dgm:constr type="t" for="ch" forName="spaceRect"/>
+              <dgm:constr type="w" for="ch" forName="parTx" refType="w" fact="0.45"/>
+              <dgm:constr type="h" for="ch" forName="parTx" refType="h"/>
+              <dgm:constr type="l" for="ch" forName="parTx" refType="r" refFor="ch" refForName="spaceRect"/>
+              <dgm:constr type="t" for="ch" forName="parTx"/>
+              <dgm:constr type="h" for="ch" forName="desTx" refType="h"/>
+              <dgm:constr type="l" for="ch" forName="desTx" refType="r" refFor="ch" refForName="parTx"/>
+              <dgm:constr type="t" for="ch" forName="desTx"/>
+            </dgm:constrLst>
+          </dgm:if>
+          <dgm:else name="Name11">
+            <dgm:constrLst>
+              <dgm:constr type="w" for="ch" forName="bgRect" refType="w"/>
+              <dgm:constr type="h" for="ch" forName="bgRect" refType="h"/>
+              <dgm:constr type="l" for="ch" forName="bgRect"/>
+              <dgm:constr type="t" for="ch" forName="bgRect"/>
+              <dgm:constr type="h" for="ch" forName="iconRect" refType="h" fact="0.55"/>
+              <dgm:constr type="w" for="ch" forName="iconRect" refType="h" refFor="ch" refForName="iconRect"/>
+              <dgm:constr type="l" for="ch" forName="iconRect" refType="h" refFor="ch" refForName="iconRect" fact="0.55"/>
+              <dgm:constr type="ctrY" for="ch" forName="iconRect" refType="ctrY" refFor="ch" refForName="bgRect"/>
+              <dgm:constr type="w" for="ch" forName="spaceRect" refType="l" refFor="ch" refForName="iconRect"/>
+              <dgm:constr type="h" for="ch" forName="spaceRect" refType="h"/>
+              <dgm:constr type="l" for="ch" forName="spaceRect" refType="r" refFor="ch" refForName="iconRect"/>
+              <dgm:constr type="t" for="ch" forName="spaceRect"/>
+              <dgm:constr type="h" for="ch" forName="parTx" refType="h"/>
+              <dgm:constr type="l" for="ch" forName="parTx" refType="r" refFor="ch" refForName="spaceRect"/>
+              <dgm:constr type="t" for="ch" forName="parTx"/>
+            </dgm:constrLst>
+          </dgm:else>
+        </dgm:choose>
+        <dgm:ruleLst>
+          <dgm:rule type="h" val="INF" fact="NaN" max="NaN"/>
+        </dgm:ruleLst>
+        <dgm:layoutNode name="bgRect" styleLbl="bgShp">
+          <dgm:alg type="sp"/>
+          <dgm:shape xmlns:r="http://schemas.openxmlformats.org/officeDocument/2006/relationships" type="roundRect" r:blip="">
+            <dgm:adjLst>
+              <dgm:adj idx="1" val="0.1"/>
+            </dgm:adjLst>
+          </dgm:shape>
+          <dgm:presOf/>
+          <dgm:constrLst/>
+          <dgm:ruleLst/>
+        </dgm:layoutNode>
+        <dgm:layoutNode name="iconRect" styleLbl="node1">
+          <dgm:alg type="sp"/>
+          <dgm:shape xmlns:r="http://schemas.openxmlformats.org/officeDocument/2006/relationships" type="rect" r:blip="" blipPhldr="1">
+            <dgm:adjLst/>
+          </dgm:shape>
+          <dgm:presOf/>
+          <dgm:constrLst/>
+          <dgm:ruleLst/>
+        </dgm:layoutNode>
+        <dgm:layoutNode name="spaceRect">
+          <dgm:alg type="sp"/>
+          <dgm:shape xmlns:r="http://schemas.openxmlformats.org/officeDocument/2006/relationships" r:blip="">
+            <dgm:adjLst/>
+          </dgm:shape>
+          <dgm:presOf/>
+          <dgm:constrLst/>
+          <dgm:ruleLst/>
+        </dgm:layoutNode>
+        <dgm:layoutNode name="parTx" styleLbl="revTx">
+          <dgm:varLst>
+            <dgm:chMax val="0"/>
+            <dgm:chPref val="0"/>
+          </dgm:varLst>
+          <dgm:alg type="tx">
+            <dgm:param type="txAnchorVert" val="mid"/>
+            <dgm:param type="parTxLTRAlign" val="l"/>
+            <dgm:param type="shpTxLTRAlignCh" val="l"/>
+            <dgm:param type="parTxRTLAlign" val="r"/>
+            <dgm:param type="shpTxRTLAlignCh" val="r"/>
+          </dgm:alg>
+          <dgm:shape xmlns:r="http://schemas.openxmlformats.org/officeDocument/2006/relationships" type="rect" r:blip="">
+            <dgm:adjLst/>
+          </dgm:shape>
+          <dgm:presOf axis="self" ptType="node"/>
+          <dgm:constrLst>
+            <dgm:constr type="lMarg" refType="h" fact="0.3"/>
+            <dgm:constr type="rMarg" refType="h" fact="0.3"/>
+            <dgm:constr type="tMarg" refType="h" fact="0.3"/>
+            <dgm:constr type="bMarg" refType="h" fact="0.3"/>
+          </dgm:constrLst>
+          <dgm:ruleLst>
+            <dgm:rule type="primFontSz" val="14" fact="NaN" max="NaN"/>
+            <dgm:rule type="h" val="INF" fact="NaN" max="NaN"/>
+          </dgm:ruleLst>
+        </dgm:layoutNode>
+        <dgm:choose name="Name12">
+          <dgm:if name="Name13" axis="ch" ptType="node" func="cnt" op="gte" val="1">
+            <dgm:layoutNode name="desTx" styleLbl="revTx">
+              <dgm:varLst/>
+              <dgm:alg type="tx">
+                <dgm:param type="txAnchorVertCh" val="mid"/>
+                <dgm:param type="parTxLTRAlign" val="l"/>
+                <dgm:param type="shpTxLTRAlignCh" val="l"/>
+                <dgm:param type="parTxRTLAlign" val="r"/>
+                <dgm:param type="shpTxRTLAlignCh" val="r"/>
+                <dgm:param type="stBulletLvl" val="0"/>
+              </dgm:alg>
+              <dgm:shape xmlns:r="http://schemas.openxmlformats.org/officeDocument/2006/relationships" type="rect" r:blip="">
+                <dgm:adjLst/>
+              </dgm:shape>
+              <dgm:presOf axis="des" ptType="node"/>
+              <dgm:constrLst>
+                <dgm:constr type="primFontSz" val="18"/>
+                <dgm:constr type="secFontSz" refType="primFontSz"/>
+                <dgm:constr type="lMarg" refType="h" fact="0.3"/>
+                <dgm:constr type="rMarg" refType="h" fact="0.3"/>
+                <dgm:constr type="tMarg" refType="h" fact="0.3"/>
+                <dgm:constr type="bMarg" refType="h" fact="0.3"/>
+              </dgm:constrLst>
+              <dgm:ruleLst>
+                <dgm:rule type="primFontSz" val="11" fact="NaN" max="NaN"/>
+              </dgm:ruleLst>
+            </dgm:layoutNode>
+          </dgm:if>
+          <dgm:else name="Name14"/>
+        </dgm:choose>
+      </dgm:layoutNode>
+      <dgm:forEach name="Name15" axis="followSib" ptType="sibTrans" cnt="1">
+        <dgm:layoutNode name="sibTrans">
+          <dgm:alg type="sp"/>
+          <dgm:shape xmlns:r="http://schemas.openxmlformats.org/officeDocument/2006/relationships" r:blip="">
+            <dgm:adjLst/>
+          </dgm:shape>
+          <dgm:presOf axis="self"/>
+          <dgm:constrLst/>
+          <dgm:ruleLst/>
+        </dgm:layoutNode>
+      </dgm:forEach>
+    </dgm:forEach>
+  </dgm:layoutNode>
+  <dgm:extLst>
+    <a:ext uri="{68A01E43-0DF5-4B5B-8FA6-DAF915123BFB}">
+      <dgm1612:lstStyle xmlns:dgm1612="http://schemas.microsoft.com/office/drawing/2016/12/diagram">
+        <a:lvl1pPr>
+          <a:lnSpc>
+            <a:spcPct val="100000"/>
+          </a:lnSpc>
+        </a:lvl1pPr>
+        <a:lvl2pPr>
+          <a:lnSpc>
+            <a:spcPct val="100000"/>
+          </a:lnSpc>
+        </a:lvl2pPr>
+      </dgm1612:lstStyle>
+    </a:ext>
+  </dgm:extLst>
+</dgm:layoutDef>
+</file>
+
 <file path=ppt/diagrams/quickStyle1.xml><?xml version="1.0" encoding="utf-8"?>
+<dgm:styleDef xmlns:dgm="http://schemas.openxmlformats.org/drawingml/2006/diagram" xmlns:a="http://schemas.openxmlformats.org/drawingml/2006/main" uniqueId="urn:microsoft.com/office/officeart/2005/8/quickstyle/simple1">
+  <dgm:title val=""/>
+  <dgm:desc val=""/>
+  <dgm:catLst>
+    <dgm:cat type="simple" pri="10100"/>
+  </dgm:catLst>
+  <dgm:scene3d>
+    <a:camera prst="orthographicFront"/>
+    <a:lightRig rig="threePt" dir="t"/>
+  </dgm:scene3d>
+  <dgm:styleLbl name="node0">
+    <dgm:scene3d>
+      <a:camera prst="orthographicFront"/>
+      <a:lightRig rig="threePt" dir="t"/>
+    </dgm:scene3d>
+    <dgm:sp3d/>
+    <dgm:txPr/>
+    <dgm:style>
+      <a:lnRef idx="2">
+        <a:scrgbClr r="0" g="0" b="0"/>
+      </a:lnRef>
+      <a:fillRef idx="1">
+        <a:scrgbClr r="0" g="0" b="0"/>
+      </a:fillRef>
+      <a:effectRef idx="0">
+        <a:scrgbClr r="0" g="0" b="0"/>
+      </a:effectRef>
+      <a:fontRef idx="minor">
+        <a:schemeClr val="lt1"/>
+      </a:fontRef>
+    </dgm:style>
+  </dgm:styleLbl>
+  <dgm:styleLbl name="lnNode1">
+    <dgm:scene3d>
+      <a:camera prst="orthographicFront"/>
+      <a:lightRig rig="threePt" dir="t"/>
+    </dgm:scene3d>
+    <dgm:sp3d/>
+    <dgm:txPr/>
+    <dgm:style>
+      <a:lnRef idx="2">
+        <a:scrgbClr r="0" g="0" b="0"/>
+      </a:lnRef>
+      <a:fillRef idx="1">
+        <a:scrgbClr r="0" g="0" b="0"/>
+      </a:fillRef>
+      <a:effectRef idx="0">
+        <a:scrgbClr r="0" g="0" b="0"/>
+      </a:effectRef>
+      <a:fontRef idx="minor">
+        <a:schemeClr val="lt1"/>
+      </a:fontRef>
+    </dgm:style>
+  </dgm:styleLbl>
+  <dgm:styleLbl name="vennNode1">
+    <dgm:scene3d>
+      <a:camera prst="orthographicFront"/>
+      <a:lightRig rig="threePt" dir="t"/>
+    </dgm:scene3d>
+    <dgm:sp3d/>
+    <dgm:txPr/>
+    <dgm:style>
+      <a:lnRef idx="2">
+        <a:scrgbClr r="0" g="0" b="0"/>
+      </a:lnRef>
+      <a:fillRef idx="1">
+        <a:scrgbClr r="0" g="0" b="0"/>
+      </a:fillRef>
+      <a:effectRef idx="0">
+        <a:scrgbClr r="0" g="0" b="0"/>
+      </a:effectRef>
+      <a:fontRef idx="minor">
+        <a:schemeClr val="tx1"/>
+      </a:fontRef>
+    </dgm:style>
+  </dgm:styleLbl>
+  <dgm:styleLbl name="alignNode1">
+    <dgm:scene3d>
+      <a:camera prst="orthographicFront"/>
+      <a:lightRig rig="threePt" dir="t"/>
+    </dgm:scene3d>
+    <dgm:sp3d/>
+    <dgm:txPr/>
+    <dgm:style>
+      <a:lnRef idx="2">
+        <a:scrgbClr r="0" g="0" b="0"/>
+      </a:lnRef>
+      <a:fillRef idx="1">
+        <a:scrgbClr r="0" g="0" b="0"/>
+      </a:fillRef>
+      <a:effectRef idx="0">
+        <a:scrgbClr r="0" g="0" b="0"/>
+      </a:effectRef>
+      <a:fontRef idx="minor">
+        <a:schemeClr val="lt1"/>
+      </a:fontRef>
+    </dgm:style>
+  </dgm:styleLbl>
+  <dgm:styleLbl name="node1">
+    <dgm:scene3d>
+      <a:camera prst="orthographicFront"/>
+      <a:lightRig rig="threePt" dir="t"/>
+    </dgm:scene3d>
+    <dgm:sp3d/>
+    <dgm:txPr/>
+    <dgm:style>
+      <a:lnRef idx="2">
+        <a:scrgbClr r="0" g="0" b="0"/>
+      </a:lnRef>
+      <a:fillRef idx="1">
+        <a:scrgbClr r="0" g="0" b="0"/>
+      </a:fillRef>
+      <a:effectRef idx="0">
+        <a:scrgbClr r="0" g="0" b="0"/>
+      </a:effectRef>
+      <a:fontRef idx="minor">
+        <a:schemeClr val="lt1"/>
+      </a:fontRef>
+    </dgm:style>
+  </dgm:styleLbl>
+  <dgm:styleLbl name="node2">
+    <dgm:scene3d>
+      <a:camera prst="orthographicFront"/>
+      <a:lightRig rig="threePt" dir="t"/>
+    </dgm:scene3d>
+    <dgm:sp3d/>
+    <dgm:txPr/>
+    <dgm:style>
+      <a:lnRef idx="2">
+        <a:scrgbClr r="0" g="0" b="0"/>
+      </a:lnRef>
+      <a:fillRef idx="1">
+        <a:scrgbClr r="0" g="0" b="0"/>
+      </a:fillRef>
+      <a:effectRef idx="0">
+        <a:scrgbClr r="0" g="0" b="0"/>
+      </a:effectRef>
+      <a:fontRef idx="minor">
+        <a:schemeClr val="lt1"/>
+      </a:fontRef>
+    </dgm:style>
+  </dgm:styleLbl>
+  <dgm:styleLbl name="node3">
+    <dgm:scene3d>
+      <a:camera prst="orthographicFront"/>
+      <a:lightRig rig="threePt" dir="t"/>
+    </dgm:scene3d>
+    <dgm:sp3d/>
+    <dgm:txPr/>
+    <dgm:style>
+      <a:lnRef idx="2">
+        <a:scrgbClr r="0" g="0" b="0"/>
+      </a:lnRef>
+      <a:fillRef idx="1">
+        <a:scrgbClr r="0" g="0" b="0"/>
+      </a:fillRef>
+      <a:effectRef idx="0">
+        <a:scrgbClr r="0" g="0" b="0"/>
+      </a:effectRef>
+      <a:fontRef idx="minor">
+        <a:schemeClr val="lt1"/>
+      </a:fontRef>
+    </dgm:style>
+  </dgm:styleLbl>
+  <dgm:styleLbl name="node4">
+    <dgm:scene3d>
+      <a:camera prst="orthographicFront"/>
+      <a:lightRig rig="threePt" dir="t"/>
+    </dgm:scene3d>
+    <dgm:sp3d/>
+    <dgm:txPr/>
+    <dgm:style>
+      <a:lnRef idx="2">
+        <a:scrgbClr r="0" g="0" b="0"/>
+      </a:lnRef>
+      <a:fillRef idx="1">
+        <a:scrgbClr r="0" g="0" b="0"/>
+      </a:fillRef>
+      <a:effectRef idx="0">
+        <a:scrgbClr r="0" g="0" b="0"/>
+      </a:effectRef>
+      <a:fontRef idx="minor">
+        <a:schemeClr val="lt1"/>
+      </a:fontRef>
+    </dgm:style>
+  </dgm:styleLbl>
+  <dgm:styleLbl name="fgImgPlace1">
+    <dgm:scene3d>
+      <a:camera prst="orthographicFront"/>
+      <a:lightRig rig="threePt" dir="t"/>
+    </dgm:scene3d>
+    <dgm:sp3d/>
+    <dgm:txPr/>
+    <dgm:style>
+      <a:lnRef idx="2">
+        <a:scrgbClr r="0" g="0" b="0"/>
+      </a:lnRef>
+      <a:fillRef idx="1">
+        <a:scrgbClr r="0" g="0" b="0"/>
+      </a:fillRef>
+      <a:effectRef idx="0">
+        <a:scrgbClr r="0" g="0" b="0"/>
+      </a:effectRef>
+      <a:fontRef idx="minor"/>
+    </dgm:style>
+  </dgm:styleLbl>
+  <dgm:styleLbl name="alignImgPlace1">
+    <dgm:scene3d>
+      <a:camera prst="orthographicFront"/>
+      <a:lightRig rig="threePt" dir="t"/>
+    </dgm:scene3d>
+    <dgm:sp3d/>
+    <dgm:txPr/>
+    <dgm:style>
+      <a:lnRef idx="2">
+        <a:scrgbClr r="0" g="0" b="0"/>
+      </a:lnRef>
+      <a:fillRef idx="1">
+        <a:scrgbClr r="0" g="0" b="0"/>
+      </a:fillRef>
+      <a:effectRef idx="0">
+        <a:scrgbClr r="0" g="0" b="0"/>
+      </a:effectRef>
+      <a:fontRef idx="minor"/>
+    </dgm:style>
+  </dgm:styleLbl>
+  <dgm:styleLbl name="bgImgPlace1">
+    <dgm:scene3d>
+      <a:camera prst="orthographicFront"/>
+      <a:lightRig rig="threePt" dir="t"/>
+    </dgm:scene3d>
+    <dgm:sp3d/>
+    <dgm:txPr/>
+    <dgm:style>
+      <a:lnRef idx="2">
+        <a:scrgbClr r="0" g="0" b="0"/>
+      </a:lnRef>
+      <a:fillRef idx="1">
+        <a:scrgbClr r="0" g="0" b="0"/>
+      </a:fillRef>
+      <a:effectRef idx="0">
+        <a:scrgbClr r="0" g="0" b="0"/>
+      </a:effectRef>
+      <a:fontRef idx="minor"/>
+    </dgm:style>
+  </dgm:styleLbl>
+  <dgm:styleLbl name="sibTrans2D1">
+    <dgm:scene3d>
+      <a:camera prst="orthographicFront"/>
+      <a:lightRig rig="threePt" dir="t"/>
+    </dgm:scene3d>
+    <dgm:sp3d/>
+    <dgm:txPr/>
+    <dgm:style>
+      <a:lnRef idx="0">
+        <a:scrgbClr r="0" g="0" b="0"/>
+      </a:lnRef>
+      <a:fillRef idx="1">
+        <a:scrgbClr r="0" g="0" b="0"/>
+      </a:fillRef>
+      <a:effectRef idx="0">
+        <a:scrgbClr r="0" g="0" b="0"/>
+      </a:effectRef>
+      <a:fontRef idx="minor">
+        <a:schemeClr val="lt1"/>
+      </a:fontRef>
+    </dgm:style>
+  </dgm:styleLbl>
+  <dgm:styleLbl name="fgSibTrans2D1">
+    <dgm:scene3d>
+      <a:camera prst="orthographicFront"/>
+      <a:lightRig rig="threePt" dir="t"/>
+    </dgm:scene3d>
+    <dgm:sp3d/>
+    <dgm:txPr/>
+    <dgm:style>
+      <a:lnRef idx="0">
+        <a:scrgbClr r="0" g="0" b="0"/>
+      </a:lnRef>
+      <a:fillRef idx="1">
+        <a:scrgbClr r="0" g="0" b="0"/>
+      </a:fillRef>
+      <a:effectRef idx="0">
+        <a:scrgbClr r="0" g="0" b="0"/>
+      </a:effectRef>
+      <a:fontRef idx="minor">
+        <a:schemeClr val="lt1"/>
+      </a:fontRef>
+    </dgm:style>
+  </dgm:styleLbl>
+  <dgm:styleLbl name="bgSibTrans2D1">
+    <dgm:scene3d>
+      <a:camera prst="orthographicFront"/>
+      <a:lightRig rig="threePt" dir="t"/>
+    </dgm:scene3d>
+    <dgm:sp3d/>
+    <dgm:txPr/>
+    <dgm:style>
+      <a:lnRef idx="0">
+        <a:scrgbClr r="0" g="0" b="0"/>
+      </a:lnRef>
+      <a:fillRef idx="1">
+        <a:scrgbClr r="0" g="0" b="0"/>
+      </a:fillRef>
+      <a:effectRef idx="0">
+        <a:scrgbClr r="0" g="0" b="0"/>
+      </a:effectRef>
+      <a:fontRef idx="minor">
+        <a:schemeClr val="lt1"/>
+      </a:fontRef>
+    </dgm:style>
+  </dgm:styleLbl>
+  <dgm:styleLbl name="sibTrans1D1">
+    <dgm:scene3d>
+      <a:camera prst="orthographicFront"/>
+      <a:lightRig rig="threePt" dir="t"/>
+    </dgm:scene3d>
+    <dgm:sp3d/>
+    <dgm:txPr/>
+    <dgm:style>
+      <a:lnRef idx="1">
+        <a:scrgbClr r="0" g="0" b="0"/>
+      </a:lnRef>
+      <a:fillRef idx="0">
+        <a:scrgbClr r="0" g="0" b="0"/>
+      </a:fillRef>
+      <a:effectRef idx="0">
+        <a:scrgbClr r="0" g="0" b="0"/>
+      </a:effectRef>
+      <a:fontRef idx="minor"/>
+    </dgm:style>
+  </dgm:styleLbl>
+  <dgm:styleLbl name="callout">
+    <dgm:scene3d>
+      <a:camera prst="orthographicFront"/>
+      <a:lightRig rig="threePt" dir="t"/>
+    </dgm:scene3d>
+    <dgm:sp3d/>
+    <dgm:txPr/>
+    <dgm:style>
+      <a:lnRef idx="2">
+        <a:scrgbClr r="0" g="0" b="0"/>
+      </a:lnRef>
+      <a:fillRef idx="1">
+        <a:scrgbClr r="0" g="0" b="0"/>
+      </a:fillRef>
+      <a:effectRef idx="0">
+        <a:scrgbClr r="0" g="0" b="0"/>
+      </a:effectRef>
+      <a:fontRef idx="minor"/>
+    </dgm:style>
+  </dgm:styleLbl>
+  <dgm:styleLbl name="asst0">
+    <dgm:scene3d>
+      <a:camera prst="orthographicFront"/>
+      <a:lightRig rig="threePt" dir="t"/>
+    </dgm:scene3d>
+    <dgm:sp3d/>
+    <dgm:txPr/>
+    <dgm:style>
+      <a:lnRef idx="2">
+        <a:scrgbClr r="0" g="0" b="0"/>
+      </a:lnRef>
+      <a:fillRef idx="1">
+        <a:scrgbClr r="0" g="0" b="0"/>
+      </a:fillRef>
+      <a:effectRef idx="0">
+        <a:scrgbClr r="0" g="0" b="0"/>
+      </a:effectRef>
+      <a:fontRef idx="minor">
+        <a:schemeClr val="lt1"/>
+      </a:fontRef>
+    </dgm:style>
+  </dgm:styleLbl>
+  <dgm:styleLbl name="asst1">
+    <dgm:scene3d>
+      <a:camera prst="orthographicFront"/>
+      <a:lightRig rig="threePt" dir="t"/>
+    </dgm:scene3d>
+    <dgm:sp3d/>
+    <dgm:txPr/>
+    <dgm:style>
+      <a:lnRef idx="2">
+        <a:scrgbClr r="0" g="0" b="0"/>
+      </a:lnRef>
+      <a:fillRef idx="1">
+        <a:scrgbClr r="0" g="0" b="0"/>
+      </a:fillRef>
+      <a:effectRef idx="0">
+        <a:scrgbClr r="0" g="0" b="0"/>
+      </a:effectRef>
+      <a:fontRef idx="minor">
+        <a:schemeClr val="lt1"/>
+      </a:fontRef>
+    </dgm:style>
+  </dgm:styleLbl>
+  <dgm:styleLbl name="asst2">
+    <dgm:scene3d>
+      <a:camera prst="orthographicFront"/>
+      <a:lightRig rig="threePt" dir="t"/>
+    </dgm:scene3d>
+    <dgm:sp3d/>
+    <dgm:txPr/>
+    <dgm:style>
+      <a:lnRef idx="2">
+        <a:scrgbClr r="0" g="0" b="0"/>
+      </a:lnRef>
+      <a:fillRef idx="1">
+        <a:scrgbClr r="0" g="0" b="0"/>
+      </a:fillRef>
+      <a:effectRef idx="0">
+        <a:scrgbClr r="0" g="0" b="0"/>
+      </a:effectRef>
+      <a:fontRef idx="minor">
+        <a:schemeClr val="lt1"/>
+      </a:fontRef>
+    </dgm:style>
+  </dgm:styleLbl>
+  <dgm:styleLbl name="asst3">
+    <dgm:scene3d>
+      <a:camera prst="orthographicFront"/>
+      <a:lightRig rig="threePt" dir="t"/>
+    </dgm:scene3d>
+    <dgm:sp3d/>
+    <dgm:txPr/>
+    <dgm:style>
+      <a:lnRef idx="2">
+        <a:scrgbClr r="0" g="0" b="0"/>
+      </a:lnRef>
+      <a:fillRef idx="1">
+        <a:scrgbClr r="0" g="0" b="0"/>
+      </a:fillRef>
+      <a:effectRef idx="0">
+        <a:scrgbClr r="0" g="0" b="0"/>
+      </a:effectRef>
+      <a:fontRef idx="minor">
+        <a:schemeClr val="lt1"/>
+      </a:fontRef>
+    </dgm:style>
+  </dgm:styleLbl>
+  <dgm:styleLbl name="asst4">
+    <dgm:scene3d>
+      <a:camera prst="orthographicFront"/>
+      <a:lightRig rig="threePt" dir="t"/>
+    </dgm:scene3d>
+    <dgm:sp3d/>
+    <dgm:txPr/>
+    <dgm:style>
+      <a:lnRef idx="2">
+        <a:scrgbClr r="0" g="0" b="0"/>
+      </a:lnRef>
+      <a:fillRef idx="1">
+        <a:scrgbClr r="0" g="0" b="0"/>
+      </a:fillRef>
+      <a:effectRef idx="0">
+        <a:scrgbClr r="0" g="0" b="0"/>
+      </a:effectRef>
+      <a:fontRef idx="minor">
+        <a:schemeClr val="lt1"/>
+      </a:fontRef>
+    </dgm:style>
+  </dgm:styleLbl>
+  <dgm:styleLbl name="parChTrans2D1">
+    <dgm:scene3d>
+      <a:camera prst="orthographicFront"/>
+      <a:lightRig rig="threePt" dir="t"/>
+    </dgm:scene3d>
+    <dgm:sp3d/>
+    <dgm:txPr/>
+    <dgm:style>
+      <a:lnRef idx="2">
+        <a:scrgbClr r="0" g="0" b="0"/>
+      </a:lnRef>
+      <a:fillRef idx="1">
+        <a:scrgbClr r="0" g="0" b="0"/>
+      </a:fillRef>
+      <a:effectRef idx="0">
+        <a:scrgbClr r="0" g="0" b="0"/>
+      </a:effectRef>
+      <a:fontRef idx="minor">
+        <a:schemeClr val="lt1"/>
+      </a:fontRef>
+    </dgm:style>
+  </dgm:styleLbl>
+  <dgm:styleLbl name="parChTrans2D2">
+    <dgm:scene3d>
+      <a:camera prst="orthographicFront"/>
+      <a:lightRig rig="threePt" dir="t"/>
+    </dgm:scene3d>
+    <dgm:sp3d/>
+    <dgm:txPr/>
+    <dgm:style>
+      <a:lnRef idx="2">
+        <a:scrgbClr r="0" g="0" b="0"/>
+      </a:lnRef>
+      <a:fillRef idx="1">
+        <a:scrgbClr r="0" g="0" b="0"/>
+      </a:fillRef>
+      <a:effectRef idx="0">
+        <a:scrgbClr r="0" g="0" b="0"/>
+      </a:effectRef>
+      <a:fontRef idx="minor">
+        <a:schemeClr val="lt1"/>
+      </a:fontRef>
+    </dgm:style>
+  </dgm:styleLbl>
+  <dgm:styleLbl name="parChTrans2D3">
+    <dgm:scene3d>
+      <a:camera prst="orthographicFront"/>
+      <a:lightRig rig="threePt" dir="t"/>
+    </dgm:scene3d>
+    <dgm:sp3d/>
+    <dgm:txPr/>
+    <dgm:style>
+      <a:lnRef idx="2">
+        <a:scrgbClr r="0" g="0" b="0"/>
+      </a:lnRef>
+      <a:fillRef idx="1">
+        <a:scrgbClr r="0" g="0" b="0"/>
+      </a:fillRef>
+      <a:effectRef idx="0">
+        <a:scrgbClr r="0" g="0" b="0"/>
+      </a:effectRef>
+      <a:fontRef idx="minor">
+        <a:schemeClr val="lt1"/>
+      </a:fontRef>
+    </dgm:style>
+  </dgm:styleLbl>
+  <dgm:styleLbl name="parChTrans2D4">
+    <dgm:scene3d>
+      <a:camera prst="orthographicFront"/>
+      <a:lightRig rig="threePt" dir="t"/>
+    </dgm:scene3d>
+    <dgm:sp3d/>
+    <dgm:txPr/>
+    <dgm:style>
+      <a:lnRef idx="2">
+        <a:scrgbClr r="0" g="0" b="0"/>
+      </a:lnRef>
+      <a:fillRef idx="1">
+        <a:scrgbClr r="0" g="0" b="0"/>
+      </a:fillRef>
+      <a:effectRef idx="0">
+        <a:scrgbClr r="0" g="0" b="0"/>
+      </a:effectRef>
+      <a:fontRef idx="minor">
+        <a:schemeClr val="lt1"/>
+      </a:fontRef>
+    </dgm:style>
+  </dgm:styleLbl>
+  <dgm:styleLbl name="parChTrans1D1">
+    <dgm:scene3d>
+      <a:camera prst="orthographicFront"/>
+      <a:lightRig rig="threePt" dir="t"/>
+    </dgm:scene3d>
+    <dgm:sp3d/>
+    <dgm:txPr/>
+    <dgm:style>
+      <a:lnRef idx="2">
+        <a:scrgbClr r="0" g="0" b="0"/>
+      </a:lnRef>
+      <a:fillRef idx="0">
+        <a:scrgbClr r="0" g="0" b="0"/>
+      </a:fillRef>
+      <a:effectRef idx="0">
+        <a:scrgbClr r="0" g="0" b="0"/>
+      </a:effectRef>
+      <a:fontRef idx="minor"/>
+    </dgm:style>
+  </dgm:styleLbl>
+  <dgm:styleLbl name="parChTrans1D2">
+    <dgm:scene3d>
+      <a:camera prst="orthographicFront"/>
+      <a:lightRig rig="threePt" dir="t"/>
+    </dgm:scene3d>
+    <dgm:sp3d/>
+    <dgm:txPr/>
+    <dgm:style>
+      <a:lnRef idx="2">
+        <a:scrgbClr r="0" g="0" b="0"/>
+      </a:lnRef>
+      <a:fillRef idx="0">
+        <a:scrgbClr r="0" g="0" b="0"/>
+      </a:fillRef>
+      <a:effectRef idx="0">
+        <a:scrgbClr r="0" g="0" b="0"/>
+      </a:effectRef>
+      <a:fontRef idx="minor"/>
+    </dgm:style>
+  </dgm:styleLbl>
+  <dgm:styleLbl name="parChTrans1D3">
+    <dgm:scene3d>
+      <a:camera prst="orthographicFront"/>
+      <a:lightRig rig="threePt" dir="t"/>
+    </dgm:scene3d>
+    <dgm:sp3d/>
+    <dgm:txPr/>
+    <dgm:style>
+      <a:lnRef idx="2">
+        <a:scrgbClr r="0" g="0" b="0"/>
+      </a:lnRef>
+      <a:fillRef idx="0">
+        <a:scrgbClr r="0" g="0" b="0"/>
+      </a:fillRef>
+      <a:effectRef idx="0">
+        <a:scrgbClr r="0" g="0" b="0"/>
+      </a:effectRef>
+      <a:fontRef idx="minor"/>
+    </dgm:style>
+  </dgm:styleLbl>
+  <dgm:styleLbl name="parChTrans1D4">
+    <dgm:scene3d>
+      <a:camera prst="orthographicFront"/>
+      <a:lightRig rig="threePt" dir="t"/>
+    </dgm:scene3d>
+    <dgm:sp3d/>
+    <dgm:txPr/>
+    <dgm:style>
+      <a:lnRef idx="2">
+        <a:scrgbClr r="0" g="0" b="0"/>
+      </a:lnRef>
+      <a:fillRef idx="0">
+        <a:scrgbClr r="0" g="0" b="0"/>
+      </a:fillRef>
+      <a:effectRef idx="0">
+        <a:scrgbClr r="0" g="0" b="0"/>
+      </a:effectRef>
+      <a:fontRef idx="minor"/>
+    </dgm:style>
+  </dgm:styleLbl>
+  <dgm:styleLbl name="fgAcc1">
+    <dgm:scene3d>
+      <a:camera prst="orthographicFront"/>
+      <a:lightRig rig="threePt" dir="t"/>
+    </dgm:scene3d>
+    <dgm:sp3d/>
+    <dgm:txPr/>
+    <dgm:style>
+      <a:lnRef idx="2">
+        <a:scrgbClr r="0" g="0" b="0"/>
+      </a:lnRef>
+      <a:fillRef idx="1">
+        <a:scrgbClr r="0" g="0" b="0"/>
+      </a:fillRef>
+      <a:effectRef idx="0">
+        <a:scrgbClr r="0" g="0" b="0"/>
+      </a:effectRef>
+      <a:fontRef idx="minor"/>
+    </dgm:style>
+  </dgm:styleLbl>
+  <dgm:styleLbl name="conFgAcc1">
+    <dgm:scene3d>
+      <a:camera prst="orthographicFront"/>
+      <a:lightRig rig="threePt" dir="t"/>
+    </dgm:scene3d>
+    <dgm:sp3d/>
+    <dgm:txPr/>
+    <dgm:style>
+      <a:lnRef idx="2">
+        <a:scrgbClr r="0" g="0" b="0"/>
+      </a:lnRef>
+      <a:fillRef idx="1">
+        <a:scrgbClr r="0" g="0" b="0"/>
+      </a:fillRef>
+      <a:effectRef idx="0">
+        <a:scrgbClr r="0" g="0" b="0"/>
+      </a:effectRef>
+      <a:fontRef idx="minor"/>
+    </dgm:style>
+  </dgm:styleLbl>
+  <dgm:styleLbl name="alignAcc1">
+    <dgm:scene3d>
+      <a:camera prst="orthographicFront"/>
+      <a:lightRig rig="threePt" dir="t"/>
+    </dgm:scene3d>
+    <dgm:sp3d/>
+    <dgm:txPr/>
+    <dgm:style>
+      <a:lnRef idx="2">
+        <a:scrgbClr r="0" g="0" b="0"/>
+      </a:lnRef>
+      <a:fillRef idx="1">
+        <a:scrgbClr r="0" g="0" b="0"/>
+      </a:fillRef>
+      <a:effectRef idx="0">
+        <a:scrgbClr r="0" g="0" b="0"/>
+      </a:effectRef>
+      <a:fontRef idx="minor"/>
+    </dgm:style>
+  </dgm:styleLbl>
+  <dgm:styleLbl name="trAlignAcc1">
+    <dgm:scene3d>
+      <a:camera prst="orthographicFront"/>
+      <a:lightRig rig="threePt" dir="t"/>
+    </dgm:scene3d>
+    <dgm:sp3d/>
+    <dgm:txPr/>
+    <dgm:style>
+      <a:lnRef idx="1">
+        <a:scrgbClr r="0" g="0" b="0"/>
+      </a:lnRef>
+      <a:fillRef idx="1">
+        <a:scrgbClr r="0" g="0" b="0"/>
+      </a:fillRef>
+      <a:effectRef idx="0">
+        <a:scrgbClr r="0" g="0" b="0"/>
+      </a:effectRef>
+      <a:fontRef idx="minor"/>
+    </dgm:style>
+  </dgm:styleLbl>
+  <dgm:styleLbl name="bgAcc1">
+    <dgm:scene3d>
+      <a:camera prst="orthographicFront"/>
+      <a:lightRig rig="threePt" dir="t"/>
+    </dgm:scene3d>
+    <dgm:sp3d/>
+    <dgm:txPr/>
+    <dgm:style>
+      <a:lnRef idx="2">
+        <a:scrgbClr r="0" g="0" b="0"/>
+      </a:lnRef>
+      <a:fillRef idx="1">
+        <a:scrgbClr r="0" g="0" b="0"/>
+      </a:fillRef>
+      <a:effectRef idx="0">
+        <a:scrgbClr r="0" g="0" b="0"/>
+      </a:effectRef>
+      <a:fontRef idx="minor"/>
+    </dgm:style>
+  </dgm:styleLbl>
+  <dgm:styleLbl name="solidFgAcc1">
+    <dgm:scene3d>
+      <a:camera prst="orthographicFront"/>
+      <a:lightRig rig="threePt" dir="t"/>
+    </dgm:scene3d>
+    <dgm:sp3d/>
+    <dgm:txPr/>
+    <dgm:style>
+      <a:lnRef idx="2">
+        <a:scrgbClr r="0" g="0" b="0"/>
+      </a:lnRef>
+      <a:fillRef idx="1">
+        <a:scrgbClr r="0" g="0" b="0"/>
+      </a:fillRef>
+      <a:effectRef idx="0">
+        <a:scrgbClr r="0" g="0" b="0"/>
+      </a:effectRef>
+      <a:fontRef idx="minor"/>
+    </dgm:style>
+  </dgm:styleLbl>
+  <dgm:styleLbl name="solidAlignAcc1">
+    <dgm:scene3d>
+      <a:camera prst="orthographicFront"/>
+      <a:lightRig rig="threePt" dir="t"/>
+    </dgm:scene3d>
+    <dgm:sp3d/>
+    <dgm:txPr/>
+    <dgm:style>
+      <a:lnRef idx="2">
+        <a:scrgbClr r="0" g="0" b="0"/>
+      </a:lnRef>
+      <a:fillRef idx="1">
+        <a:scrgbClr r="0" g="0" b="0"/>
+      </a:fillRef>
+      <a:effectRef idx="0">
+        <a:scrgbClr r="0" g="0" b="0"/>
+      </a:effectRef>
+      <a:fontRef idx="minor"/>
+    </dgm:style>
+  </dgm:styleLbl>
+  <dgm:styleLbl name="solidBgAcc1">
+    <dgm:scene3d>
+      <a:camera prst="orthographicFront"/>
+      <a:lightRig rig="threePt" dir="t"/>
+    </dgm:scene3d>
+    <dgm:sp3d/>
+    <dgm:txPr/>
+    <dgm:style>
+      <a:lnRef idx="2">
+        <a:scrgbClr r="0" g="0" b="0"/>
+      </a:lnRef>
+      <a:fillRef idx="1">
+        <a:scrgbClr r="0" g="0" b="0"/>
+      </a:fillRef>
+      <a:effectRef idx="0">
+        <a:scrgbClr r="0" g="0" b="0"/>
+      </a:effectRef>
+      <a:fontRef idx="minor"/>
+    </dgm:style>
+  </dgm:styleLbl>
+  <dgm:styleLbl name="fgAccFollowNode1">
+    <dgm:scene3d>
+      <a:camera prst="orthographicFront"/>
+      <a:lightRig rig="threePt" dir="t"/>
+    </dgm:scene3d>
+    <dgm:sp3d/>
+    <dgm:txPr/>
+    <dgm:style>
+      <a:lnRef idx="2">
+        <a:scrgbClr r="0" g="0" b="0"/>
+      </a:lnRef>
+      <a:fillRef idx="1">
+        <a:scrgbClr r="0" g="0" b="0"/>
+      </a:fillRef>
+      <a:effectRef idx="0">
+        <a:scrgbClr r="0" g="0" b="0"/>
+      </a:effectRef>
+      <a:fontRef idx="minor"/>
+    </dgm:style>
+  </dgm:styleLbl>
+  <dgm:styleLbl name="alignAccFollowNode1">
+    <dgm:scene3d>
+      <a:camera prst="orthographicFront"/>
+      <a:lightRig rig="threePt" dir="t"/>
+    </dgm:scene3d>
+    <dgm:sp3d/>
+    <dgm:txPr/>
+    <dgm:style>
+      <a:lnRef idx="2">
+        <a:scrgbClr r="0" g="0" b="0"/>
+      </a:lnRef>
+      <a:fillRef idx="1">
+        <a:scrgbClr r="0" g="0" b="0"/>
+      </a:fillRef>
+      <a:effectRef idx="0">
+        <a:scrgbClr r="0" g="0" b="0"/>
+      </a:effectRef>
+      <a:fontRef idx="minor"/>
+    </dgm:style>
+  </dgm:styleLbl>
+  <dgm:styleLbl name="bgAccFollowNode1">
+    <dgm:scene3d>
+      <a:camera prst="orthographicFront"/>
+      <a:lightRig rig="threePt" dir="t"/>
+    </dgm:scene3d>
+    <dgm:sp3d/>
+    <dgm:txPr/>
+    <dgm:style>
+      <a:lnRef idx="2">
+        <a:scrgbClr r="0" g="0" b="0"/>
+      </a:lnRef>
+      <a:fillRef idx="1">
+        <a:scrgbClr r="0" g="0" b="0"/>
+      </a:fillRef>
+      <a:effectRef idx="0">
+        <a:scrgbClr r="0" g="0" b="0"/>
+      </a:effectRef>
+      <a:fontRef idx="minor"/>
+    </dgm:style>
+  </dgm:styleLbl>
+  <dgm:styleLbl name="fgAcc0">
+    <dgm:scene3d>
+      <a:camera prst="orthographicFront"/>
+      <a:lightRig rig="threePt" dir="t"/>
+    </dgm:scene3d>
+    <dgm:sp3d/>
+    <dgm:txPr/>
+    <dgm:style>
+      <a:lnRef idx="2">
+        <a:scrgbClr r="0" g="0" b="0"/>
+      </a:lnRef>
+      <a:fillRef idx="1">
+        <a:scrgbClr r="0" g="0" b="0"/>
+      </a:fillRef>
+      <a:effectRef idx="0">
+        <a:scrgbClr r="0" g="0" b="0"/>
+      </a:effectRef>
+      <a:fontRef idx="minor"/>
+    </dgm:style>
+  </dgm:styleLbl>
+  <dgm:styleLbl name="fgAcc2">
+    <dgm:scene3d>
+      <a:camera prst="orthographicFront"/>
+      <a:lightRig rig="threePt" dir="t"/>
+    </dgm:scene3d>
+    <dgm:sp3d/>
+    <dgm:txPr/>
+    <dgm:style>
+      <a:lnRef idx="2">
+        <a:scrgbClr r="0" g="0" b="0"/>
+      </a:lnRef>
+      <a:fillRef idx="1">
+        <a:scrgbClr r="0" g="0" b="0"/>
+      </a:fillRef>
+      <a:effectRef idx="0">
+        <a:scrgbClr r="0" g="0" b="0"/>
+      </a:effectRef>
+      <a:fontRef idx="minor"/>
+    </dgm:style>
+  </dgm:styleLbl>
+  <dgm:styleLbl name="fgAcc3">
+    <dgm:scene3d>
+      <a:camera prst="orthographicFront"/>
+      <a:lightRig rig="threePt" dir="t"/>
+    </dgm:scene3d>
+    <dgm:sp3d/>
+    <dgm:txPr/>
+    <dgm:style>
+      <a:lnRef idx="2">
+        <a:scrgbClr r="0" g="0" b="0"/>
+      </a:lnRef>
+      <a:fillRef idx="1">
+        <a:scrgbClr r="0" g="0" b="0"/>
+      </a:fillRef>
+      <a:effectRef idx="0">
+        <a:scrgbClr r="0" g="0" b="0"/>
+      </a:effectRef>
+      <a:fontRef idx="minor"/>
+    </dgm:style>
+  </dgm:styleLbl>
+  <dgm:styleLbl name="fgAcc4">
+    <dgm:scene3d>
+      <a:camera prst="orthographicFront"/>
+      <a:lightRig rig="threePt" dir="t"/>
+    </dgm:scene3d>
+    <dgm:sp3d/>
+    <dgm:txPr/>
+    <dgm:style>
+      <a:lnRef idx="2">
+        <a:scrgbClr r="0" g="0" b="0"/>
+      </a:lnRef>
+      <a:fillRef idx="1">
+        <a:scrgbClr r="0" g="0" b="0"/>
+      </a:fillRef>
+      <a:effectRef idx="0">
+        <a:scrgbClr r="0" g="0" b="0"/>
+      </a:effectRef>
+      <a:fontRef idx="minor"/>
+    </dgm:style>
+  </dgm:styleLbl>
+  <dgm:styleLbl name="bgShp">
+    <dgm:scene3d>
+      <a:camera prst="orthographicFront"/>
+      <a:lightRig rig="threePt" dir="t"/>
+    </dgm:scene3d>
+    <dgm:sp3d/>
+    <dgm:txPr/>
+    <dgm:style>
+      <a:lnRef idx="0">
+        <a:scrgbClr r="0" g="0" b="0"/>
+      </a:lnRef>
+      <a:fillRef idx="1">
+        <a:scrgbClr r="0" g="0" b="0"/>
+      </a:fillRef>
+      <a:effectRef idx="0">
+        <a:scrgbClr r="0" g="0" b="0"/>
+      </a:effectRef>
+      <a:fontRef idx="minor"/>
+    </dgm:style>
+  </dgm:styleLbl>
+  <dgm:styleLbl name="dkBgShp">
+    <dgm:scene3d>
+      <a:camera prst="orthographicFront"/>
+      <a:lightRig rig="threePt" dir="t"/>
+    </dgm:scene3d>
+    <dgm:sp3d/>
+    <dgm:txPr/>
+    <dgm:style>
+      <a:lnRef idx="0">
+        <a:scrgbClr r="0" g="0" b="0"/>
+      </a:lnRef>
+      <a:fillRef idx="1">
+        <a:scrgbClr r="0" g="0" b="0"/>
+      </a:fillRef>
+      <a:effectRef idx="0">
+        <a:scrgbClr r="0" g="0" b="0"/>
+      </a:effectRef>
+      <a:fontRef idx="minor"/>
+    </dgm:style>
+  </dgm:styleLbl>
+  <dgm:styleLbl name="trBgShp">
+    <dgm:scene3d>
+      <a:camera prst="orthographicFront"/>
+      <a:lightRig rig="threePt" dir="t"/>
+    </dgm:scene3d>
+    <dgm:sp3d/>
+    <dgm:txPr/>
+    <dgm:style>
+      <a:lnRef idx="0">
+        <a:scrgbClr r="0" g="0" b="0"/>
+      </a:lnRef>
+      <a:fillRef idx="1">
+        <a:scrgbClr r="0" g="0" b="0"/>
+      </a:fillRef>
+      <a:effectRef idx="0">
+        <a:scrgbClr r="0" g="0" b="0"/>
+      </a:effectRef>
+      <a:fontRef idx="minor"/>
+    </dgm:style>
+  </dgm:styleLbl>
+  <dgm:styleLbl name="fgShp">
+    <dgm:scene3d>
+      <a:camera prst="orthographicFront"/>
+      <a:lightRig rig="threePt" dir="t"/>
+    </dgm:scene3d>
+    <dgm:sp3d/>
+    <dgm:txPr/>
+    <dgm:style>
+      <a:lnRef idx="2">
+        <a:scrgbClr r="0" g="0" b="0"/>
+      </a:lnRef>
+      <a:fillRef idx="1">
+        <a:scrgbClr r="0" g="0" b="0"/>
+      </a:fillRef>
+      <a:effectRef idx="0">
+        <a:scrgbClr r="0" g="0" b="0"/>
+      </a:effectRef>
+      <a:fontRef idx="minor"/>
+    </dgm:style>
+  </dgm:styleLbl>
+  <dgm:styleLbl name="revTx">
+    <dgm:scene3d>
+      <a:camera prst="orthographicFront"/>
+      <a:lightRig rig="threePt" dir="t"/>
+    </dgm:scene3d>
+    <dgm:sp3d/>
+    <dgm:txPr/>
+    <dgm:style>
+      <a:lnRef idx="0">
+        <a:scrgbClr r="0" g="0" b="0"/>
+      </a:lnRef>
+      <a:fillRef idx="0">
+        <a:scrgbClr r="0" g="0" b="0"/>
+      </a:fillRef>
+      <a:effectRef idx="0">
+        <a:scrgbClr r="0" g="0" b="0"/>
+      </a:effectRef>
+      <a:fontRef idx="minor"/>
+    </dgm:style>
+  </dgm:styleLbl>
+</dgm:styleDef>
+</file>
+
+<file path=ppt/diagrams/quickStyle2.xml><?xml version="1.0" encoding="utf-8"?>
 <dgm:styleDef xmlns:dgm="http://schemas.openxmlformats.org/drawingml/2006/diagram" xmlns:a="http://schemas.openxmlformats.org/drawingml/2006/main" uniqueId="urn:microsoft.com/office/officeart/2005/8/quickstyle/simple1">
   <dgm:title val=""/>
   <dgm:desc val=""/>
@@ -3674,7 +6322,7 @@
           <a:p>
             <a:fld id="{02297A90-1AFB-4FA1-ADF2-69FD2D1230BA}" type="datetimeFigureOut">
               <a:rPr lang="en-US" smtClean="0"/>
-              <a:t>7/17/2021</a:t>
+              <a:t>4/15/2022</a:t>
             </a:fld>
             <a:endParaRPr lang="en-US"/>
           </a:p>
@@ -3852,7 +6500,7 @@
           <a:p>
             <a:fld id="{2D15495C-7C85-4DFE-8C2B-354A7A489EB6}" type="datetimeFigureOut">
               <a:rPr lang="it-IT" smtClean="0"/>
-              <a:t>17/07/2021</a:t>
+              <a:t>15/04/2022</a:t>
             </a:fld>
             <a:endParaRPr lang="it-IT"/>
           </a:p>
@@ -13021,6 +15669,480 @@
           <a:chExt cx="0" cy="0"/>
         </a:xfrm>
       </p:grpSpPr>
+      <p:graphicFrame>
+        <p:nvGraphicFramePr>
+          <p:cNvPr id="17" name="Content Placeholder 2">
+            <a:extLst>
+              <a:ext uri="{FF2B5EF4-FFF2-40B4-BE49-F238E27FC236}">
+                <a16:creationId xmlns:a16="http://schemas.microsoft.com/office/drawing/2014/main" id="{273CB31C-83D3-426B-8EE0-BDDA0DD84805}"/>
+              </a:ext>
+            </a:extLst>
+          </p:cNvPr>
+          <p:cNvGraphicFramePr>
+            <a:graphicFrameLocks/>
+          </p:cNvGraphicFramePr>
+          <p:nvPr>
+            <p:extLst>
+              <p:ext uri="{D42A27DB-BD31-4B8C-83A1-F6EECF244321}">
+                <p14:modId xmlns:p14="http://schemas.microsoft.com/office/powerpoint/2010/main" val="1547371786"/>
+              </p:ext>
+            </p:extLst>
+          </p:nvPr>
+        </p:nvGraphicFramePr>
+        <p:xfrm>
+          <a:off x="838199" y="1825625"/>
+          <a:ext cx="5586351" cy="4351338"/>
+        </p:xfrm>
+        <a:graphic>
+          <a:graphicData uri="http://schemas.openxmlformats.org/drawingml/2006/diagram">
+            <dgm:relIds xmlns:dgm="http://schemas.openxmlformats.org/drawingml/2006/diagram" xmlns:r="http://schemas.openxmlformats.org/officeDocument/2006/relationships" r:dm="rId2" r:lo="rId3" r:qs="rId4" r:cs="rId5"/>
+          </a:graphicData>
+        </a:graphic>
+      </p:graphicFrame>
+      <p:sp>
+        <p:nvSpPr>
+          <p:cNvPr id="2" name="Title 1">
+            <a:extLst>
+              <a:ext uri="{FF2B5EF4-FFF2-40B4-BE49-F238E27FC236}">
+                <a16:creationId xmlns:a16="http://schemas.microsoft.com/office/drawing/2014/main" id="{BC8FAE5D-CCB9-403B-BD5E-DD44A2125C45}"/>
+              </a:ext>
+            </a:extLst>
+          </p:cNvPr>
+          <p:cNvSpPr>
+            <a:spLocks noGrp="1"/>
+          </p:cNvSpPr>
+          <p:nvPr>
+            <p:ph type="title"/>
+          </p:nvPr>
+        </p:nvSpPr>
+        <p:spPr/>
+        <p:txBody>
+          <a:bodyPr/>
+          <a:lstStyle/>
+          <a:p>
+            <a:r>
+              <a:rPr lang="it-IT" dirty="0"/>
+              <a:t>In action!</a:t>
+            </a:r>
+            <a:endParaRPr lang="en-US" dirty="0"/>
+          </a:p>
+        </p:txBody>
+      </p:sp>
+      <p:sp>
+        <p:nvSpPr>
+          <p:cNvPr id="4" name="Footer Placeholder 3">
+            <a:extLst>
+              <a:ext uri="{FF2B5EF4-FFF2-40B4-BE49-F238E27FC236}">
+                <a16:creationId xmlns:a16="http://schemas.microsoft.com/office/drawing/2014/main" id="{0917F85B-7161-41CE-94F9-A121D87E3D1F}"/>
+              </a:ext>
+            </a:extLst>
+          </p:cNvPr>
+          <p:cNvSpPr>
+            <a:spLocks noGrp="1"/>
+          </p:cNvSpPr>
+          <p:nvPr>
+            <p:ph type="ftr" sz="quarter" idx="11"/>
+          </p:nvPr>
+        </p:nvSpPr>
+        <p:spPr/>
+        <p:txBody>
+          <a:bodyPr/>
+          <a:lstStyle/>
+          <a:p>
+            <a:pPr algn="l"/>
+            <a:r>
+              <a:rPr lang="it-IT"/>
+              <a:t>Matteo Francia – University of Bologna</a:t>
+            </a:r>
+            <a:endParaRPr lang="it-IT" dirty="0"/>
+          </a:p>
+        </p:txBody>
+      </p:sp>
+      <p:sp>
+        <p:nvSpPr>
+          <p:cNvPr id="5" name="Slide Number Placeholder 4">
+            <a:extLst>
+              <a:ext uri="{FF2B5EF4-FFF2-40B4-BE49-F238E27FC236}">
+                <a16:creationId xmlns:a16="http://schemas.microsoft.com/office/drawing/2014/main" id="{C6836BDB-38A9-494E-82D8-EB9FECA39BB5}"/>
+              </a:ext>
+            </a:extLst>
+          </p:cNvPr>
+          <p:cNvSpPr>
+            <a:spLocks noGrp="1"/>
+          </p:cNvSpPr>
+          <p:nvPr>
+            <p:ph type="sldNum" sz="quarter" idx="12"/>
+          </p:nvPr>
+        </p:nvSpPr>
+        <p:spPr/>
+        <p:txBody>
+          <a:bodyPr/>
+          <a:lstStyle/>
+          <a:p>
+            <a:fld id="{5DD6F1BA-2510-46FC-9346-AB1F3CA1593B}" type="slidenum">
+              <a:rPr lang="it-IT" smtClean="0"/>
+              <a:t>19</a:t>
+            </a:fld>
+            <a:endParaRPr lang="it-IT"/>
+          </a:p>
+        </p:txBody>
+      </p:sp>
+      <p:sp>
+        <p:nvSpPr>
+          <p:cNvPr id="8" name="Content Placeholder 7">
+            <a:extLst>
+              <a:ext uri="{FF2B5EF4-FFF2-40B4-BE49-F238E27FC236}">
+                <a16:creationId xmlns:a16="http://schemas.microsoft.com/office/drawing/2014/main" id="{E80ACFC2-1592-473D-83B3-9660EBAD588C}"/>
+              </a:ext>
+            </a:extLst>
+          </p:cNvPr>
+          <p:cNvSpPr>
+            <a:spLocks noGrp="1"/>
+          </p:cNvSpPr>
+          <p:nvPr>
+            <p:ph idx="13"/>
+          </p:nvPr>
+        </p:nvSpPr>
+        <p:spPr/>
+        <p:txBody>
+          <a:bodyPr/>
+          <a:lstStyle/>
+          <a:p>
+            <a:r>
+              <a:rPr lang="en-US" sz="1200" dirty="0">
+                <a:hlinkClick r:id="rId7"/>
+              </a:rPr>
+              <a:t>https://github.com/w4bo/2022-bbs-dm/blob/main/notebooks/03-Housing-MachineLearning.ipynb</a:t>
+            </a:r>
+            <a:r>
+              <a:rPr lang="en-US" sz="1200" dirty="0"/>
+              <a:t> </a:t>
+            </a:r>
+          </a:p>
+        </p:txBody>
+      </p:sp>
+      <p:pic>
+        <p:nvPicPr>
+          <p:cNvPr id="25" name="Elemento grafico 24" descr="Pensiero scientifico contorno">
+            <a:extLst>
+              <a:ext uri="{FF2B5EF4-FFF2-40B4-BE49-F238E27FC236}">
+                <a16:creationId xmlns:a16="http://schemas.microsoft.com/office/drawing/2014/main" id="{CA4136DC-02D2-4591-A273-1F04DE797288}"/>
+              </a:ext>
+            </a:extLst>
+          </p:cNvPr>
+          <p:cNvPicPr>
+            <a:picLocks noChangeAspect="1"/>
+          </p:cNvPicPr>
+          <p:nvPr/>
+        </p:nvPicPr>
+        <p:blipFill>
+          <a:blip r:embed="rId8">
+            <a:extLst>
+              <a:ext uri="{28A0092B-C50C-407E-A947-70E740481C1C}">
+                <a14:useLocalDpi xmlns:a14="http://schemas.microsoft.com/office/drawing/2010/main" val="0"/>
+              </a:ext>
+              <a:ext uri="{96DAC541-7B7A-43D3-8B79-37D633B846F1}">
+                <asvg:svgBlip xmlns:asvg="http://schemas.microsoft.com/office/drawing/2016/SVG/main" r:embed="rId9"/>
+              </a:ext>
+            </a:extLst>
+          </a:blip>
+          <a:stretch>
+            <a:fillRect/>
+          </a:stretch>
+        </p:blipFill>
+        <p:spPr>
+          <a:xfrm>
+            <a:off x="7308510" y="2637292"/>
+            <a:ext cx="2908979" cy="2908979"/>
+          </a:xfrm>
+          <a:prstGeom prst="rect">
+            <a:avLst/>
+          </a:prstGeom>
+        </p:spPr>
+      </p:pic>
+      <p:sp>
+        <p:nvSpPr>
+          <p:cNvPr id="29" name="Segnaposto contenuto 28">
+            <a:extLst>
+              <a:ext uri="{FF2B5EF4-FFF2-40B4-BE49-F238E27FC236}">
+                <a16:creationId xmlns:a16="http://schemas.microsoft.com/office/drawing/2014/main" id="{59BEBFFD-A84C-4E5F-B202-BF9B6D13AB73}"/>
+              </a:ext>
+            </a:extLst>
+          </p:cNvPr>
+          <p:cNvSpPr>
+            <a:spLocks noGrp="1"/>
+          </p:cNvSpPr>
+          <p:nvPr>
+            <p:ph sz="half" idx="2"/>
+          </p:nvPr>
+        </p:nvSpPr>
+        <p:spPr/>
+        <p:txBody>
+          <a:bodyPr/>
+          <a:lstStyle/>
+          <a:p>
+            <a:endParaRPr lang="en-US"/>
+          </a:p>
+        </p:txBody>
+      </p:sp>
+    </p:spTree>
+    <p:extLst>
+      <p:ext uri="{BB962C8B-B14F-4D97-AF65-F5344CB8AC3E}">
+        <p14:creationId xmlns:p14="http://schemas.microsoft.com/office/powerpoint/2010/main" val="1105331634"/>
+      </p:ext>
+    </p:extLst>
+  </p:cSld>
+  <p:clrMapOvr>
+    <a:masterClrMapping/>
+  </p:clrMapOvr>
+</p:sld>
+</file>
+
+<file path=ppt/slides/slide2.xml><?xml version="1.0" encoding="utf-8"?>
+<p:sld xmlns:a="http://schemas.openxmlformats.org/drawingml/2006/main" xmlns:r="http://schemas.openxmlformats.org/officeDocument/2006/relationships" xmlns:p="http://schemas.openxmlformats.org/presentationml/2006/main">
+  <p:cSld>
+    <p:spTree>
+      <p:nvGrpSpPr>
+        <p:cNvPr id="1" name=""/>
+        <p:cNvGrpSpPr/>
+        <p:nvPr/>
+      </p:nvGrpSpPr>
+      <p:grpSpPr>
+        <a:xfrm>
+          <a:off x="0" y="0"/>
+          <a:ext cx="0" cy="0"/>
+          <a:chOff x="0" y="0"/>
+          <a:chExt cx="0" cy="0"/>
+        </a:xfrm>
+      </p:grpSpPr>
+      <p:sp>
+        <p:nvSpPr>
+          <p:cNvPr id="2" name="Titolo 1">
+            <a:extLst>
+              <a:ext uri="{FF2B5EF4-FFF2-40B4-BE49-F238E27FC236}">
+                <a16:creationId xmlns:a16="http://schemas.microsoft.com/office/drawing/2014/main" id="{C9625E4F-2A0C-4B19-B530-F5F87D3AC576}"/>
+              </a:ext>
+            </a:extLst>
+          </p:cNvPr>
+          <p:cNvSpPr>
+            <a:spLocks noGrp="1"/>
+          </p:cNvSpPr>
+          <p:nvPr>
+            <p:ph type="title"/>
+          </p:nvPr>
+        </p:nvSpPr>
+        <p:spPr/>
+        <p:txBody>
+          <a:bodyPr/>
+          <a:lstStyle/>
+          <a:p>
+            <a:r>
+              <a:rPr lang="it-IT" dirty="0"/>
+              <a:t>Machine learning</a:t>
+            </a:r>
+            <a:endParaRPr lang="en-US" dirty="0"/>
+          </a:p>
+        </p:txBody>
+      </p:sp>
+      <p:sp>
+        <p:nvSpPr>
+          <p:cNvPr id="3" name="Segnaposto contenuto 2">
+            <a:extLst>
+              <a:ext uri="{FF2B5EF4-FFF2-40B4-BE49-F238E27FC236}">
+                <a16:creationId xmlns:a16="http://schemas.microsoft.com/office/drawing/2014/main" id="{B9E91BDA-AD8F-4EF1-8F81-FFF89BAEF12A}"/>
+              </a:ext>
+            </a:extLst>
+          </p:cNvPr>
+          <p:cNvSpPr>
+            <a:spLocks noGrp="1"/>
+          </p:cNvSpPr>
+          <p:nvPr>
+            <p:ph sz="half" idx="1"/>
+          </p:nvPr>
+        </p:nvSpPr>
+        <p:spPr/>
+        <p:txBody>
+          <a:bodyPr/>
+          <a:lstStyle/>
+          <a:p>
+            <a:r>
+              <a:rPr lang="en-US" dirty="0">
+                <a:solidFill>
+                  <a:srgbClr val="FF0000"/>
+                </a:solidFill>
+              </a:rPr>
+              <a:t>Machine Learning </a:t>
+            </a:r>
+            <a:r>
+              <a:rPr lang="en-US" dirty="0"/>
+              <a:t>is the science (and art) of programming computers so they can learn from data</a:t>
+            </a:r>
+          </a:p>
+          <a:p>
+            <a:pPr lvl="1"/>
+            <a:r>
+              <a:rPr lang="en-US" dirty="0"/>
+              <a:t>Machine Learning is the field of study that gives computers the ability to learn without being explicitly programmed — Arthur Samuel, 1959</a:t>
+            </a:r>
+          </a:p>
+          <a:p>
+            <a:pPr lvl="1"/>
+            <a:r>
+              <a:rPr lang="en-US" dirty="0"/>
+              <a:t>A computer program is said to learn from experience E with respect to some task T and some performance measure P, if its performance on T, as measured by P, improves with experience E — Tom Mitchell, 1997</a:t>
+            </a:r>
+          </a:p>
+        </p:txBody>
+      </p:sp>
+      <p:pic>
+        <p:nvPicPr>
+          <p:cNvPr id="9" name="Segnaposto contenuto 8">
+            <a:extLst>
+              <a:ext uri="{FF2B5EF4-FFF2-40B4-BE49-F238E27FC236}">
+                <a16:creationId xmlns:a16="http://schemas.microsoft.com/office/drawing/2014/main" id="{2CA554E7-7AAB-4AF5-AAE1-0566292449C2}"/>
+              </a:ext>
+            </a:extLst>
+          </p:cNvPr>
+          <p:cNvPicPr>
+            <a:picLocks noGrp="1" noChangeAspect="1"/>
+          </p:cNvPicPr>
+          <p:nvPr>
+            <p:ph sz="half" idx="2"/>
+          </p:nvPr>
+        </p:nvPicPr>
+        <p:blipFill>
+          <a:blip r:embed="rId2">
+            <a:extLst>
+              <a:ext uri="{28A0092B-C50C-407E-A947-70E740481C1C}">
+                <a14:useLocalDpi xmlns:a14="http://schemas.microsoft.com/office/drawing/2010/main" val="0"/>
+              </a:ext>
+            </a:extLst>
+          </a:blip>
+          <a:stretch>
+            <a:fillRect/>
+          </a:stretch>
+        </p:blipFill>
+        <p:spPr>
+          <a:xfrm>
+            <a:off x="6477000" y="2715419"/>
+            <a:ext cx="4572000" cy="2571750"/>
+          </a:xfrm>
+        </p:spPr>
+      </p:pic>
+      <p:sp>
+        <p:nvSpPr>
+          <p:cNvPr id="4" name="Segnaposto piè di pagina 3">
+            <a:extLst>
+              <a:ext uri="{FF2B5EF4-FFF2-40B4-BE49-F238E27FC236}">
+                <a16:creationId xmlns:a16="http://schemas.microsoft.com/office/drawing/2014/main" id="{741635AA-5E4B-4864-954D-834C0A67D25A}"/>
+              </a:ext>
+            </a:extLst>
+          </p:cNvPr>
+          <p:cNvSpPr>
+            <a:spLocks noGrp="1"/>
+          </p:cNvSpPr>
+          <p:nvPr>
+            <p:ph type="ftr" sz="quarter" idx="11"/>
+          </p:nvPr>
+        </p:nvSpPr>
+        <p:spPr/>
+        <p:txBody>
+          <a:bodyPr/>
+          <a:lstStyle/>
+          <a:p>
+            <a:r>
+              <a:rPr lang="it-IT"/>
+              <a:t>Matteo Francia – University of Bologna</a:t>
+            </a:r>
+            <a:endParaRPr lang="it-IT" dirty="0"/>
+          </a:p>
+        </p:txBody>
+      </p:sp>
+      <p:sp>
+        <p:nvSpPr>
+          <p:cNvPr id="5" name="Segnaposto numero diapositiva 4">
+            <a:extLst>
+              <a:ext uri="{FF2B5EF4-FFF2-40B4-BE49-F238E27FC236}">
+                <a16:creationId xmlns:a16="http://schemas.microsoft.com/office/drawing/2014/main" id="{769E589A-8206-4CF8-8841-C3D753F1A699}"/>
+              </a:ext>
+            </a:extLst>
+          </p:cNvPr>
+          <p:cNvSpPr>
+            <a:spLocks noGrp="1"/>
+          </p:cNvSpPr>
+          <p:nvPr>
+            <p:ph type="sldNum" sz="quarter" idx="12"/>
+          </p:nvPr>
+        </p:nvSpPr>
+        <p:spPr/>
+        <p:txBody>
+          <a:bodyPr/>
+          <a:lstStyle/>
+          <a:p>
+            <a:fld id="{5DD6F1BA-2510-46FC-9346-AB1F3CA1593B}" type="slidenum">
+              <a:rPr lang="it-IT" smtClean="0"/>
+              <a:pPr/>
+              <a:t>2</a:t>
+            </a:fld>
+            <a:endParaRPr lang="it-IT"/>
+          </a:p>
+        </p:txBody>
+      </p:sp>
+      <p:sp>
+        <p:nvSpPr>
+          <p:cNvPr id="7" name="Segnaposto contenuto 6">
+            <a:extLst>
+              <a:ext uri="{FF2B5EF4-FFF2-40B4-BE49-F238E27FC236}">
+                <a16:creationId xmlns:a16="http://schemas.microsoft.com/office/drawing/2014/main" id="{8AB25530-AD90-4444-B46A-8A7DB1FBF0DC}"/>
+              </a:ext>
+            </a:extLst>
+          </p:cNvPr>
+          <p:cNvSpPr>
+            <a:spLocks noGrp="1"/>
+          </p:cNvSpPr>
+          <p:nvPr>
+            <p:ph idx="13"/>
+          </p:nvPr>
+        </p:nvSpPr>
+        <p:spPr/>
+        <p:txBody>
+          <a:bodyPr/>
+          <a:lstStyle/>
+          <a:p>
+            <a:endParaRPr lang="en-US"/>
+          </a:p>
+        </p:txBody>
+      </p:sp>
+    </p:spTree>
+    <p:extLst>
+      <p:ext uri="{BB962C8B-B14F-4D97-AF65-F5344CB8AC3E}">
+        <p14:creationId xmlns:p14="http://schemas.microsoft.com/office/powerpoint/2010/main" val="4188712684"/>
+      </p:ext>
+    </p:extLst>
+  </p:cSld>
+  <p:clrMapOvr>
+    <a:masterClrMapping/>
+  </p:clrMapOvr>
+</p:sld>
+</file>
+
+<file path=ppt/slides/slide20.xml><?xml version="1.0" encoding="utf-8"?>
+<p:sld xmlns:a="http://schemas.openxmlformats.org/drawingml/2006/main" xmlns:r="http://schemas.openxmlformats.org/officeDocument/2006/relationships" xmlns:p="http://schemas.openxmlformats.org/presentationml/2006/main" show="0">
+  <p:cSld>
+    <p:spTree>
+      <p:nvGrpSpPr>
+        <p:cNvPr id="1" name=""/>
+        <p:cNvGrpSpPr/>
+        <p:nvPr/>
+      </p:nvGrpSpPr>
+      <p:grpSpPr>
+        <a:xfrm>
+          <a:off x="0" y="0"/>
+          <a:ext cx="0" cy="0"/>
+          <a:chOff x="0" y="0"/>
+          <a:chExt cx="0" cy="0"/>
+        </a:xfrm>
+      </p:grpSpPr>
       <p:sp>
         <p:nvSpPr>
           <p:cNvPr id="2" name="Title 1">
@@ -13172,7 +16294,7 @@
           <a:p>
             <a:fld id="{5DD6F1BA-2510-46FC-9346-AB1F3CA1593B}" type="slidenum">
               <a:rPr lang="it-IT" smtClean="0"/>
-              <a:t>19</a:t>
+              <a:t>20</a:t>
             </a:fld>
             <a:endParaRPr lang="it-IT"/>
           </a:p>
@@ -13368,7 +16490,7 @@
 </p:sld>
 </file>
 
-<file path=ppt/slides/slide2.xml><?xml version="1.0" encoding="utf-8"?>
+<file path=ppt/slides/slide21.xml><?xml version="1.0" encoding="utf-8"?>
 <p:sld xmlns:a="http://schemas.openxmlformats.org/drawingml/2006/main" xmlns:r="http://schemas.openxmlformats.org/officeDocument/2006/relationships" xmlns:p="http://schemas.openxmlformats.org/presentationml/2006/main">
   <p:cSld>
     <p:spTree>
@@ -13387,10 +16509,10 @@
       </p:grpSpPr>
       <p:sp>
         <p:nvSpPr>
-          <p:cNvPr id="2" name="Titolo 1">
-            <a:extLst>
-              <a:ext uri="{FF2B5EF4-FFF2-40B4-BE49-F238E27FC236}">
-                <a16:creationId xmlns:a16="http://schemas.microsoft.com/office/drawing/2014/main" id="{C9625E4F-2A0C-4B19-B530-F5F87D3AC576}"/>
+          <p:cNvPr id="14" name="Title 13">
+            <a:extLst>
+              <a:ext uri="{FF2B5EF4-FFF2-40B4-BE49-F238E27FC236}">
+                <a16:creationId xmlns:a16="http://schemas.microsoft.com/office/drawing/2014/main" id="{7FD6D1A2-CF14-45EA-AE21-B220A4E2308D}"/>
               </a:ext>
             </a:extLst>
           </p:cNvPr>
@@ -13401,14 +16523,31 @@
             <p:ph type="title"/>
           </p:nvPr>
         </p:nvSpPr>
-        <p:spPr/>
+        <p:spPr>
+          <a:xfrm>
+            <a:off x="838200" y="365125"/>
+            <a:ext cx="10515600" cy="1325563"/>
+          </a:xfrm>
+        </p:spPr>
         <p:txBody>
           <a:bodyPr/>
           <a:lstStyle/>
           <a:p>
             <a:r>
+              <a:rPr lang="it-IT" dirty="0" err="1"/>
+              <a:t>Integrated</a:t>
+            </a:r>
+            <a:r>
               <a:rPr lang="it-IT" dirty="0"/>
-              <a:t>Machine learning</a:t>
+              <a:t> </a:t>
+            </a:r>
+            <a:r>
+              <a:rPr lang="it-IT" dirty="0" err="1"/>
+              <a:t>analytics</a:t>
+            </a:r>
+            <a:r>
+              <a:rPr lang="it-IT" dirty="0"/>
+              <a:t> lab</a:t>
             </a:r>
             <a:endParaRPr lang="en-US" dirty="0"/>
           </a:p>
@@ -13416,10 +16555,10 @@
       </p:sp>
       <p:sp>
         <p:nvSpPr>
-          <p:cNvPr id="3" name="Segnaposto contenuto 2">
-            <a:extLst>
-              <a:ext uri="{FF2B5EF4-FFF2-40B4-BE49-F238E27FC236}">
-                <a16:creationId xmlns:a16="http://schemas.microsoft.com/office/drawing/2014/main" id="{B9E91BDA-AD8F-4EF1-8F81-FFF89BAEF12A}"/>
+          <p:cNvPr id="9" name="Content Placeholder 8">
+            <a:extLst>
+              <a:ext uri="{FF2B5EF4-FFF2-40B4-BE49-F238E27FC236}">
+                <a16:creationId xmlns:a16="http://schemas.microsoft.com/office/drawing/2014/main" id="{82748BCB-58EE-4FCD-A0A3-62B6988E48A6}"/>
               </a:ext>
             </a:extLst>
           </p:cNvPr>
@@ -13427,84 +16566,108 @@
             <a:spLocks noGrp="1"/>
           </p:cNvSpPr>
           <p:nvPr>
-            <p:ph sz="half" idx="1"/>
+            <p:ph idx="1"/>
           </p:nvPr>
         </p:nvSpPr>
-        <p:spPr/>
+        <p:spPr>
+          <a:xfrm>
+            <a:off x="838200" y="1898287"/>
+            <a:ext cx="10515600" cy="3955762"/>
+          </a:xfrm>
+        </p:spPr>
         <p:txBody>
           <a:bodyPr/>
           <a:lstStyle/>
           <a:p>
             <a:r>
-              <a:rPr lang="en-US" dirty="0">
-                <a:solidFill>
-                  <a:srgbClr val="FF0000"/>
-                </a:solidFill>
-              </a:rPr>
-              <a:t>Machine Learning </a:t>
-            </a:r>
-            <a:r>
-              <a:rPr lang="en-US" dirty="0"/>
-              <a:t>is the science (and art) of programming computers so they can learn from data</a:t>
+              <a:rPr lang="en-US" sz="1800" dirty="0"/>
+              <a:t>This checklist can help you while building your projects</a:t>
             </a:r>
           </a:p>
           <a:p>
             <a:pPr lvl="1"/>
             <a:r>
-              <a:rPr lang="en-US" dirty="0"/>
-              <a:t>Machine Learning is the field of study that gives computers the ability to learn without being explicitly programmed — Arthur Samuel, 1959</a:t>
+              <a:rPr lang="en-US" sz="1800" dirty="0"/>
+              <a:t>✔ </a:t>
+            </a:r>
+            <a:r>
+              <a:rPr lang="en-US" sz="1400" dirty="0"/>
+              <a:t>Frame the problem and look at the big picture</a:t>
             </a:r>
           </a:p>
           <a:p>
             <a:pPr lvl="1"/>
             <a:r>
-              <a:rPr lang="en-US" dirty="0"/>
-              <a:t>A computer program is said to learn from experience E with respect to some task T and some performance measure P, if its performance on T, as measured by P, improves with experience E — Tom Mitchell, 1997</a:t>
-            </a:r>
-          </a:p>
-        </p:txBody>
-      </p:sp>
-      <p:pic>
-        <p:nvPicPr>
-          <p:cNvPr id="9" name="Segnaposto contenuto 8">
-            <a:extLst>
-              <a:ext uri="{FF2B5EF4-FFF2-40B4-BE49-F238E27FC236}">
-                <a16:creationId xmlns:a16="http://schemas.microsoft.com/office/drawing/2014/main" id="{2CA554E7-7AAB-4AF5-AAE1-0566292449C2}"/>
-              </a:ext>
-            </a:extLst>
-          </p:cNvPr>
-          <p:cNvPicPr>
-            <a:picLocks noGrp="1" noChangeAspect="1"/>
-          </p:cNvPicPr>
-          <p:nvPr>
-            <p:ph sz="half" idx="2"/>
-          </p:nvPr>
-        </p:nvPicPr>
-        <p:blipFill>
-          <a:blip r:embed="rId2">
-            <a:extLst>
-              <a:ext uri="{28A0092B-C50C-407E-A947-70E740481C1C}">
-                <a14:useLocalDpi xmlns:a14="http://schemas.microsoft.com/office/drawing/2010/main" val="0"/>
-              </a:ext>
-            </a:extLst>
-          </a:blip>
-          <a:stretch>
-            <a:fillRect/>
-          </a:stretch>
-        </p:blipFill>
-        <p:spPr>
-          <a:xfrm>
-            <a:off x="6477000" y="2715419"/>
-            <a:ext cx="4572000" cy="2571750"/>
-          </a:xfrm>
-        </p:spPr>
-      </p:pic>
-      <p:sp>
-        <p:nvSpPr>
-          <p:cNvPr id="4" name="Segnaposto piè di pagina 3">
-            <a:extLst>
-              <a:ext uri="{FF2B5EF4-FFF2-40B4-BE49-F238E27FC236}">
-                <a16:creationId xmlns:a16="http://schemas.microsoft.com/office/drawing/2014/main" id="{741635AA-5E4B-4864-954D-834C0A67D25A}"/>
+              <a:rPr lang="en-US" sz="1800" dirty="0"/>
+              <a:t>✔ </a:t>
+            </a:r>
+            <a:r>
+              <a:rPr lang="en-US" sz="1400" dirty="0"/>
+              <a:t>Get the data</a:t>
+            </a:r>
+          </a:p>
+          <a:p>
+            <a:pPr lvl="1"/>
+            <a:r>
+              <a:rPr lang="en-US" sz="1800" dirty="0"/>
+              <a:t>✔ </a:t>
+            </a:r>
+            <a:r>
+              <a:rPr lang="en-US" sz="1400" dirty="0"/>
+              <a:t>Explore the data to gain insights</a:t>
+            </a:r>
+          </a:p>
+          <a:p>
+            <a:pPr lvl="1"/>
+            <a:r>
+              <a:rPr lang="en-US" sz="1800" dirty="0"/>
+              <a:t>✔ </a:t>
+            </a:r>
+            <a:r>
+              <a:rPr lang="en-US" sz="1400" dirty="0"/>
+              <a:t>Prepare the data</a:t>
+            </a:r>
+          </a:p>
+          <a:p>
+            <a:pPr lvl="1"/>
+            <a:r>
+              <a:rPr lang="en-US" sz="1800" dirty="0"/>
+              <a:t>✔ </a:t>
+            </a:r>
+            <a:r>
+              <a:rPr lang="en-US" sz="1400" dirty="0"/>
+              <a:t>Explore many different models and shortlist the best ones</a:t>
+            </a:r>
+          </a:p>
+          <a:p>
+            <a:pPr lvl="1"/>
+            <a:r>
+              <a:rPr lang="en-US" sz="1400" dirty="0"/>
+              <a:t>✔ Fine-tune your models and combine them into a great solution</a:t>
+            </a:r>
+          </a:p>
+          <a:p>
+            <a:pPr lvl="1"/>
+            <a:r>
+              <a:rPr lang="en-US" sz="1400" dirty="0"/>
+              <a:t>Present your solution</a:t>
+            </a:r>
+          </a:p>
+          <a:p>
+            <a:pPr lvl="1"/>
+            <a:r>
+              <a:rPr lang="en-US" sz="1400" dirty="0"/>
+              <a:t>Launch, monitor, and maintain your system</a:t>
+            </a:r>
+          </a:p>
+        </p:txBody>
+      </p:sp>
+      <p:sp>
+        <p:nvSpPr>
+          <p:cNvPr id="5" name="Footer Placeholder 4">
+            <a:extLst>
+              <a:ext uri="{FF2B5EF4-FFF2-40B4-BE49-F238E27FC236}">
+                <a16:creationId xmlns:a16="http://schemas.microsoft.com/office/drawing/2014/main" id="{451A0E4F-A40E-41B8-A1C4-70246B56D124}"/>
               </a:ext>
             </a:extLst>
           </p:cNvPr>
@@ -13515,7 +16678,12 @@
             <p:ph type="ftr" sz="quarter" idx="11"/>
           </p:nvPr>
         </p:nvSpPr>
-        <p:spPr/>
+        <p:spPr>
+          <a:xfrm>
+            <a:off x="-1" y="6492875"/>
+            <a:ext cx="2837793" cy="365125"/>
+          </a:xfrm>
+        </p:spPr>
         <p:txBody>
           <a:bodyPr/>
           <a:lstStyle/>
@@ -13524,16 +16692,15 @@
               <a:rPr lang="it-IT"/>
               <a:t>Matteo Francia – University of Bologna</a:t>
             </a:r>
-            <a:endParaRPr lang="it-IT" dirty="0"/>
-          </a:p>
-        </p:txBody>
-      </p:sp>
-      <p:sp>
-        <p:nvSpPr>
-          <p:cNvPr id="5" name="Segnaposto numero diapositiva 4">
-            <a:extLst>
-              <a:ext uri="{FF2B5EF4-FFF2-40B4-BE49-F238E27FC236}">
-                <a16:creationId xmlns:a16="http://schemas.microsoft.com/office/drawing/2014/main" id="{769E589A-8206-4CF8-8841-C3D753F1A699}"/>
+          </a:p>
+        </p:txBody>
+      </p:sp>
+      <p:sp>
+        <p:nvSpPr>
+          <p:cNvPr id="6" name="Slide Number Placeholder 5">
+            <a:extLst>
+              <a:ext uri="{FF2B5EF4-FFF2-40B4-BE49-F238E27FC236}">
+                <a16:creationId xmlns:a16="http://schemas.microsoft.com/office/drawing/2014/main" id="{240950CC-5227-4892-818F-1BE5F4F01CAB}"/>
               </a:ext>
             </a:extLst>
           </p:cNvPr>
@@ -13544,279 +16711,6 @@
             <p:ph type="sldNum" sz="quarter" idx="12"/>
           </p:nvPr>
         </p:nvSpPr>
-        <p:spPr/>
-        <p:txBody>
-          <a:bodyPr/>
-          <a:lstStyle/>
-          <a:p>
-            <a:fld id="{5DD6F1BA-2510-46FC-9346-AB1F3CA1593B}" type="slidenum">
-              <a:rPr lang="it-IT" smtClean="0"/>
-              <a:pPr/>
-              <a:t>2</a:t>
-            </a:fld>
-            <a:endParaRPr lang="it-IT"/>
-          </a:p>
-        </p:txBody>
-      </p:sp>
-      <p:sp>
-        <p:nvSpPr>
-          <p:cNvPr id="7" name="Segnaposto contenuto 6">
-            <a:extLst>
-              <a:ext uri="{FF2B5EF4-FFF2-40B4-BE49-F238E27FC236}">
-                <a16:creationId xmlns:a16="http://schemas.microsoft.com/office/drawing/2014/main" id="{8AB25530-AD90-4444-B46A-8A7DB1FBF0DC}"/>
-              </a:ext>
-            </a:extLst>
-          </p:cNvPr>
-          <p:cNvSpPr>
-            <a:spLocks noGrp="1"/>
-          </p:cNvSpPr>
-          <p:nvPr>
-            <p:ph idx="13"/>
-          </p:nvPr>
-        </p:nvSpPr>
-        <p:spPr/>
-        <p:txBody>
-          <a:bodyPr/>
-          <a:lstStyle/>
-          <a:p>
-            <a:endParaRPr lang="en-US"/>
-          </a:p>
-        </p:txBody>
-      </p:sp>
-    </p:spTree>
-    <p:extLst>
-      <p:ext uri="{BB962C8B-B14F-4D97-AF65-F5344CB8AC3E}">
-        <p14:creationId xmlns:p14="http://schemas.microsoft.com/office/powerpoint/2010/main" val="4188712684"/>
-      </p:ext>
-    </p:extLst>
-  </p:cSld>
-  <p:clrMapOvr>
-    <a:masterClrMapping/>
-  </p:clrMapOvr>
-</p:sld>
-</file>
-
-<file path=ppt/slides/slide20.xml><?xml version="1.0" encoding="utf-8"?>
-<p:sld xmlns:a="http://schemas.openxmlformats.org/drawingml/2006/main" xmlns:r="http://schemas.openxmlformats.org/officeDocument/2006/relationships" xmlns:p="http://schemas.openxmlformats.org/presentationml/2006/main">
-  <p:cSld>
-    <p:spTree>
-      <p:nvGrpSpPr>
-        <p:cNvPr id="1" name=""/>
-        <p:cNvGrpSpPr/>
-        <p:nvPr/>
-      </p:nvGrpSpPr>
-      <p:grpSpPr>
-        <a:xfrm>
-          <a:off x="0" y="0"/>
-          <a:ext cx="0" cy="0"/>
-          <a:chOff x="0" y="0"/>
-          <a:chExt cx="0" cy="0"/>
-        </a:xfrm>
-      </p:grpSpPr>
-      <p:sp>
-        <p:nvSpPr>
-          <p:cNvPr id="14" name="Title 13">
-            <a:extLst>
-              <a:ext uri="{FF2B5EF4-FFF2-40B4-BE49-F238E27FC236}">
-                <a16:creationId xmlns:a16="http://schemas.microsoft.com/office/drawing/2014/main" id="{7FD6D1A2-CF14-45EA-AE21-B220A4E2308D}"/>
-              </a:ext>
-            </a:extLst>
-          </p:cNvPr>
-          <p:cNvSpPr>
-            <a:spLocks noGrp="1"/>
-          </p:cNvSpPr>
-          <p:nvPr>
-            <p:ph type="title"/>
-          </p:nvPr>
-        </p:nvSpPr>
-        <p:spPr>
-          <a:xfrm>
-            <a:off x="838200" y="365125"/>
-            <a:ext cx="10515600" cy="1325563"/>
-          </a:xfrm>
-        </p:spPr>
-        <p:txBody>
-          <a:bodyPr/>
-          <a:lstStyle/>
-          <a:p>
-            <a:r>
-              <a:rPr lang="it-IT" dirty="0" err="1"/>
-              <a:t>Integrated</a:t>
-            </a:r>
-            <a:r>
-              <a:rPr lang="it-IT" dirty="0"/>
-              <a:t> </a:t>
-            </a:r>
-            <a:r>
-              <a:rPr lang="it-IT" dirty="0" err="1"/>
-              <a:t>analytics</a:t>
-            </a:r>
-            <a:r>
-              <a:rPr lang="it-IT" dirty="0"/>
-              <a:t> lab</a:t>
-            </a:r>
-            <a:endParaRPr lang="en-US" dirty="0"/>
-          </a:p>
-        </p:txBody>
-      </p:sp>
-      <p:sp>
-        <p:nvSpPr>
-          <p:cNvPr id="9" name="Content Placeholder 8">
-            <a:extLst>
-              <a:ext uri="{FF2B5EF4-FFF2-40B4-BE49-F238E27FC236}">
-                <a16:creationId xmlns:a16="http://schemas.microsoft.com/office/drawing/2014/main" id="{82748BCB-58EE-4FCD-A0A3-62B6988E48A6}"/>
-              </a:ext>
-            </a:extLst>
-          </p:cNvPr>
-          <p:cNvSpPr>
-            <a:spLocks noGrp="1"/>
-          </p:cNvSpPr>
-          <p:nvPr>
-            <p:ph idx="1"/>
-          </p:nvPr>
-        </p:nvSpPr>
-        <p:spPr>
-          <a:xfrm>
-            <a:off x="838200" y="1898287"/>
-            <a:ext cx="10515600" cy="3955762"/>
-          </a:xfrm>
-        </p:spPr>
-        <p:txBody>
-          <a:bodyPr/>
-          <a:lstStyle/>
-          <a:p>
-            <a:r>
-              <a:rPr lang="en-US" sz="1800" dirty="0"/>
-              <a:t>This checklist can help you while building your projects</a:t>
-            </a:r>
-          </a:p>
-          <a:p>
-            <a:pPr lvl="1"/>
-            <a:r>
-              <a:rPr lang="en-US" sz="1800" dirty="0"/>
-              <a:t>✔ </a:t>
-            </a:r>
-            <a:r>
-              <a:rPr lang="en-US" sz="1400" dirty="0"/>
-              <a:t>Frame the problem and look at the big picture</a:t>
-            </a:r>
-          </a:p>
-          <a:p>
-            <a:pPr lvl="1"/>
-            <a:r>
-              <a:rPr lang="en-US" sz="1800" dirty="0"/>
-              <a:t>✔ </a:t>
-            </a:r>
-            <a:r>
-              <a:rPr lang="en-US" sz="1400" dirty="0"/>
-              <a:t>Get the data</a:t>
-            </a:r>
-          </a:p>
-          <a:p>
-            <a:pPr lvl="1"/>
-            <a:r>
-              <a:rPr lang="en-US" sz="1800" dirty="0"/>
-              <a:t>✔ </a:t>
-            </a:r>
-            <a:r>
-              <a:rPr lang="en-US" sz="1400" dirty="0"/>
-              <a:t>Explore the data to gain insights</a:t>
-            </a:r>
-          </a:p>
-          <a:p>
-            <a:pPr lvl="1"/>
-            <a:r>
-              <a:rPr lang="en-US" sz="1800" dirty="0"/>
-              <a:t>✔ </a:t>
-            </a:r>
-            <a:r>
-              <a:rPr lang="en-US" sz="1400" dirty="0"/>
-              <a:t>Prepare the data</a:t>
-            </a:r>
-          </a:p>
-          <a:p>
-            <a:pPr lvl="1"/>
-            <a:r>
-              <a:rPr lang="en-US" sz="1800" dirty="0"/>
-              <a:t>✔ </a:t>
-            </a:r>
-            <a:r>
-              <a:rPr lang="en-US" sz="1400" dirty="0"/>
-              <a:t>Explore many different models and shortlist the best ones</a:t>
-            </a:r>
-          </a:p>
-          <a:p>
-            <a:pPr lvl="1"/>
-            <a:r>
-              <a:rPr lang="en-US" sz="1400" dirty="0"/>
-              <a:t>✔ Fine-tune your models and combine them into a great solution</a:t>
-            </a:r>
-          </a:p>
-          <a:p>
-            <a:pPr lvl="1"/>
-            <a:r>
-              <a:rPr lang="en-US" sz="1400" dirty="0"/>
-              <a:t>Present your solution</a:t>
-            </a:r>
-          </a:p>
-          <a:p>
-            <a:pPr lvl="1"/>
-            <a:r>
-              <a:rPr lang="en-US" sz="1400" dirty="0"/>
-              <a:t>Launch, monitor, and maintain your system</a:t>
-            </a:r>
-          </a:p>
-        </p:txBody>
-      </p:sp>
-      <p:sp>
-        <p:nvSpPr>
-          <p:cNvPr id="5" name="Footer Placeholder 4">
-            <a:extLst>
-              <a:ext uri="{FF2B5EF4-FFF2-40B4-BE49-F238E27FC236}">
-                <a16:creationId xmlns:a16="http://schemas.microsoft.com/office/drawing/2014/main" id="{451A0E4F-A40E-41B8-A1C4-70246B56D124}"/>
-              </a:ext>
-            </a:extLst>
-          </p:cNvPr>
-          <p:cNvSpPr>
-            <a:spLocks noGrp="1"/>
-          </p:cNvSpPr>
-          <p:nvPr>
-            <p:ph type="ftr" sz="quarter" idx="11"/>
-          </p:nvPr>
-        </p:nvSpPr>
-        <p:spPr>
-          <a:xfrm>
-            <a:off x="-1" y="6492875"/>
-            <a:ext cx="2837793" cy="365125"/>
-          </a:xfrm>
-        </p:spPr>
-        <p:txBody>
-          <a:bodyPr/>
-          <a:lstStyle/>
-          <a:p>
-            <a:r>
-              <a:rPr lang="it-IT"/>
-              <a:t>Matteo Francia – University of Bologna</a:t>
-            </a:r>
-          </a:p>
-        </p:txBody>
-      </p:sp>
-      <p:sp>
-        <p:nvSpPr>
-          <p:cNvPr id="6" name="Slide Number Placeholder 5">
-            <a:extLst>
-              <a:ext uri="{FF2B5EF4-FFF2-40B4-BE49-F238E27FC236}">
-                <a16:creationId xmlns:a16="http://schemas.microsoft.com/office/drawing/2014/main" id="{240950CC-5227-4892-818F-1BE5F4F01CAB}"/>
-              </a:ext>
-            </a:extLst>
-          </p:cNvPr>
-          <p:cNvSpPr>
-            <a:spLocks noGrp="1"/>
-          </p:cNvSpPr>
-          <p:nvPr>
-            <p:ph type="sldNum" sz="quarter" idx="12"/>
-          </p:nvPr>
-        </p:nvSpPr>
         <p:spPr>
           <a:xfrm>
             <a:off x="9448800" y="6492874"/>
@@ -13830,7 +16724,7 @@
             <a:fld id="{5DD6F1BA-2510-46FC-9346-AB1F3CA1593B}" type="slidenum">
               <a:rPr lang="it-IT" smtClean="0"/>
               <a:pPr/>
-              <a:t>20</a:t>
+              <a:t>21</a:t>
             </a:fld>
             <a:endParaRPr lang="it-IT"/>
           </a:p>
